--- a/lab5/lecture/lab5.pptx
+++ b/lab5/lecture/lab5.pptx
@@ -12,9 +12,10 @@
     <p:sldId id="294" r:id="rId6"/>
     <p:sldId id="295" r:id="rId7"/>
     <p:sldId id="296" r:id="rId8"/>
-    <p:sldId id="291" r:id="rId9"/>
-    <p:sldId id="297" r:id="rId10"/>
-    <p:sldId id="293" r:id="rId11"/>
+    <p:sldId id="298" r:id="rId9"/>
+    <p:sldId id="291" r:id="rId10"/>
+    <p:sldId id="297" r:id="rId11"/>
+    <p:sldId id="293" r:id="rId12"/>
   </p:sldIdLst>
   <p:sldSz cx="12192000" cy="6858000"/>
   <p:notesSz cx="6858000" cy="9144000"/>
@@ -349,7 +350,7 @@
           <a:p>
             <a:fld id="{CC6787DF-63A8-4FFC-8155-79ED132149FF}" type="datetimeFigureOut">
               <a:rPr lang="en-US" smtClean="0"/>
-              <a:t>7/4/2018</a:t>
+              <a:t>7/9/2018</a:t>
             </a:fld>
             <a:endParaRPr lang="en-US"/>
           </a:p>
@@ -557,7 +558,7 @@
           <a:p>
             <a:fld id="{CC6787DF-63A8-4FFC-8155-79ED132149FF}" type="datetimeFigureOut">
               <a:rPr lang="en-US" smtClean="0"/>
-              <a:t>7/4/2018</a:t>
+              <a:t>7/9/2018</a:t>
             </a:fld>
             <a:endParaRPr lang="en-US"/>
           </a:p>
@@ -815,7 +816,7 @@
           <a:p>
             <a:fld id="{CC6787DF-63A8-4FFC-8155-79ED132149FF}" type="datetimeFigureOut">
               <a:rPr lang="en-US" smtClean="0"/>
-              <a:t>7/4/2018</a:t>
+              <a:t>7/9/2018</a:t>
             </a:fld>
             <a:endParaRPr lang="en-US"/>
           </a:p>
@@ -985,7 +986,7 @@
           <a:p>
             <a:fld id="{CC6787DF-63A8-4FFC-8155-79ED132149FF}" type="datetimeFigureOut">
               <a:rPr lang="en-US" smtClean="0"/>
-              <a:t>7/4/2018</a:t>
+              <a:t>7/9/2018</a:t>
             </a:fld>
             <a:endParaRPr lang="en-US"/>
           </a:p>
@@ -1322,7 +1323,7 @@
           <a:p>
             <a:fld id="{CC6787DF-63A8-4FFC-8155-79ED132149FF}" type="datetimeFigureOut">
               <a:rPr lang="en-US" smtClean="0"/>
-              <a:t>7/4/2018</a:t>
+              <a:t>7/9/2018</a:t>
             </a:fld>
             <a:endParaRPr lang="en-US"/>
           </a:p>
@@ -1597,7 +1598,7 @@
           <a:p>
             <a:fld id="{CC6787DF-63A8-4FFC-8155-79ED132149FF}" type="datetimeFigureOut">
               <a:rPr lang="en-US" smtClean="0"/>
-              <a:t>7/4/2018</a:t>
+              <a:t>7/9/2018</a:t>
             </a:fld>
             <a:endParaRPr lang="en-US"/>
           </a:p>
@@ -1976,7 +1977,7 @@
           <a:p>
             <a:fld id="{CC6787DF-63A8-4FFC-8155-79ED132149FF}" type="datetimeFigureOut">
               <a:rPr lang="en-US" smtClean="0"/>
-              <a:t>7/4/2018</a:t>
+              <a:t>7/9/2018</a:t>
             </a:fld>
             <a:endParaRPr lang="en-US"/>
           </a:p>
@@ -2094,7 +2095,7 @@
           <a:p>
             <a:fld id="{CC6787DF-63A8-4FFC-8155-79ED132149FF}" type="datetimeFigureOut">
               <a:rPr lang="en-US" smtClean="0"/>
-              <a:t>7/4/2018</a:t>
+              <a:t>7/9/2018</a:t>
             </a:fld>
             <a:endParaRPr lang="en-US"/>
           </a:p>
@@ -2267,7 +2268,7 @@
           <a:p>
             <a:fld id="{CC6787DF-63A8-4FFC-8155-79ED132149FF}" type="datetimeFigureOut">
               <a:rPr lang="en-US" smtClean="0"/>
-              <a:t>7/4/2018</a:t>
+              <a:t>7/9/2018</a:t>
             </a:fld>
             <a:endParaRPr lang="en-US"/>
           </a:p>
@@ -2623,7 +2624,7 @@
           <a:p>
             <a:fld id="{CC6787DF-63A8-4FFC-8155-79ED132149FF}" type="datetimeFigureOut">
               <a:rPr lang="en-US" smtClean="0"/>
-              <a:t>7/4/2018</a:t>
+              <a:t>7/9/2018</a:t>
             </a:fld>
             <a:endParaRPr lang="en-US"/>
           </a:p>
@@ -3002,7 +3003,7 @@
           <a:p>
             <a:fld id="{CC6787DF-63A8-4FFC-8155-79ED132149FF}" type="datetimeFigureOut">
               <a:rPr lang="en-US" smtClean="0"/>
-              <a:t>7/4/2018</a:t>
+              <a:t>7/9/2018</a:t>
             </a:fld>
             <a:endParaRPr lang="en-US"/>
           </a:p>
@@ -3291,7 +3292,7 @@
           <a:p>
             <a:fld id="{CC6787DF-63A8-4FFC-8155-79ED132149FF}" type="datetimeFigureOut">
               <a:rPr lang="en-US" smtClean="0"/>
-              <a:t>7/4/2018</a:t>
+              <a:t>7/9/2018</a:t>
             </a:fld>
             <a:endParaRPr lang="en-US"/>
           </a:p>
@@ -3903,6 +3904,1125 @@
           <p:cNvPr id="2" name="Title 1">
             <a:extLst>
               <a:ext uri="{FF2B5EF4-FFF2-40B4-BE49-F238E27FC236}">
+                <a16:creationId xmlns:a16="http://schemas.microsoft.com/office/drawing/2014/main" id="{EF660287-F1AD-4C86-8507-2295D57FECA3}"/>
+              </a:ext>
+            </a:extLst>
+          </p:cNvPr>
+          <p:cNvSpPr>
+            <a:spLocks noGrp="1"/>
+          </p:cNvSpPr>
+          <p:nvPr>
+            <p:ph type="title"/>
+          </p:nvPr>
+        </p:nvSpPr>
+        <p:spPr/>
+        <p:txBody>
+          <a:bodyPr/>
+          <a:lstStyle/>
+          <a:p>
+            <a:r>
+              <a:rPr lang="en-US" dirty="0"/>
+              <a:t>MP5 – Game Board </a:t>
+            </a:r>
+          </a:p>
+        </p:txBody>
+      </p:sp>
+      <mc:AlternateContent xmlns:mc="http://schemas.openxmlformats.org/markup-compatibility/2006" xmlns:a14="http://schemas.microsoft.com/office/drawing/2010/main">
+        <mc:Choice Requires="a14">
+          <p:sp>
+            <p:nvSpPr>
+              <p:cNvPr id="4" name="Content Placeholder 3">
+                <a:extLst>
+                  <a:ext uri="{FF2B5EF4-FFF2-40B4-BE49-F238E27FC236}">
+                    <a16:creationId xmlns:a16="http://schemas.microsoft.com/office/drawing/2014/main" id="{B363DA70-8C56-49D4-AE8C-AF5F86DAF60E}"/>
+                  </a:ext>
+                </a:extLst>
+              </p:cNvPr>
+              <p:cNvSpPr>
+                <a:spLocks noGrp="1"/>
+              </p:cNvSpPr>
+              <p:nvPr>
+                <p:ph sz="half" idx="1"/>
+              </p:nvPr>
+            </p:nvSpPr>
+            <p:spPr/>
+            <p:txBody>
+              <a:bodyPr>
+                <a:normAutofit fontScale="70000" lnSpcReduction="20000"/>
+              </a:bodyPr>
+              <a:lstStyle/>
+              <a:p>
+                <a:r>
+                  <a:rPr lang="en-US" dirty="0"/>
+                  <a:t>Game board</a:t>
+                </a:r>
+              </a:p>
+              <a:p>
+                <a:pPr lvl="1"/>
+                <a:r>
+                  <a:rPr lang="en-US" dirty="0"/>
+                  <a:t>2D array represented as a 1D array</a:t>
+                </a:r>
+              </a:p>
+              <a:p>
+                <a:r>
+                  <a:rPr lang="en-US" dirty="0"/>
+                  <a:t>Array access of green element</a:t>
+                </a:r>
+              </a:p>
+              <a:p>
+                <a:pPr lvl="1"/>
+                <a:r>
+                  <a:rPr lang="en-US" dirty="0"/>
+                  <a:t>2D – array[1][2]</a:t>
+                </a:r>
+              </a:p>
+              <a:p>
+                <a:pPr lvl="1"/>
+                <a:r>
+                  <a:rPr lang="en-US" dirty="0"/>
+                  <a:t>1D – array[6]</a:t>
+                </a:r>
+              </a:p>
+              <a:p>
+                <a:r>
+                  <a:rPr lang="en-US" dirty="0"/>
+                  <a:t>How to translate between 2D and 1D arrays?</a:t>
+                </a:r>
+              </a:p>
+              <a:p>
+                <a:pPr lvl="1"/>
+                <a14:m>
+                  <m:oMath xmlns:m="http://schemas.openxmlformats.org/officeDocument/2006/math">
+                    <m:r>
+                      <a:rPr lang="en-US" b="0" i="1" smtClean="0">
+                        <a:latin typeface="Cambria Math" panose="02040503050406030204" pitchFamily="18" charset="0"/>
+                      </a:rPr>
+                      <m:t>𝑖𝑑𝑥</m:t>
+                    </m:r>
+                    <m:r>
+                      <a:rPr lang="en-US" b="0" i="1" smtClean="0">
+                        <a:latin typeface="Cambria Math" panose="02040503050406030204" pitchFamily="18" charset="0"/>
+                      </a:rPr>
+                      <m:t>=</m:t>
+                    </m:r>
+                    <m:r>
+                      <a:rPr lang="en-US" b="0" i="1" smtClean="0">
+                        <a:latin typeface="Cambria Math" panose="02040503050406030204" pitchFamily="18" charset="0"/>
+                      </a:rPr>
+                      <m:t>𝑟𝑜𝑤</m:t>
+                    </m:r>
+                    <m:r>
+                      <a:rPr lang="en-US" b="0" i="1" smtClean="0">
+                        <a:latin typeface="Cambria Math" panose="02040503050406030204" pitchFamily="18" charset="0"/>
+                      </a:rPr>
+                      <m:t> ∗</m:t>
+                    </m:r>
+                    <m:r>
+                      <a:rPr lang="en-US" b="0" i="1" smtClean="0">
+                        <a:latin typeface="Cambria Math" panose="02040503050406030204" pitchFamily="18" charset="0"/>
+                      </a:rPr>
+                      <m:t>𝑊𝐼𝐷𝑇𝐻</m:t>
+                    </m:r>
+                    <m:r>
+                      <a:rPr lang="en-US" b="0" i="1" smtClean="0">
+                        <a:latin typeface="Cambria Math" panose="02040503050406030204" pitchFamily="18" charset="0"/>
+                      </a:rPr>
+                      <m:t>+</m:t>
+                    </m:r>
+                    <m:r>
+                      <a:rPr lang="en-US" b="0" i="1" smtClean="0">
+                        <a:latin typeface="Cambria Math" panose="02040503050406030204" pitchFamily="18" charset="0"/>
+                      </a:rPr>
+                      <m:t>𝑐𝑜𝑙</m:t>
+                    </m:r>
+                  </m:oMath>
+                </a14:m>
+                <a:endParaRPr lang="en-US" dirty="0"/>
+              </a:p>
+              <a:p>
+                <a:r>
+                  <a:rPr lang="en-US" dirty="0"/>
+                  <a:t>Updating board game</a:t>
+                </a:r>
+              </a:p>
+              <a:p>
+                <a:pPr lvl="1"/>
+                <a:r>
+                  <a:rPr lang="en-US" dirty="0"/>
+                  <a:t>Iterate through every cell in the game board</a:t>
+                </a:r>
+              </a:p>
+              <a:p>
+                <a:pPr lvl="1"/>
+                <a:r>
+                  <a:rPr lang="en-US" dirty="0"/>
+                  <a:t>Given a central cell, access eight neighbors around it</a:t>
+                </a:r>
+              </a:p>
+              <a:p>
+                <a:pPr lvl="2"/>
+                <a:r>
+                  <a:rPr lang="en-US" dirty="0"/>
+                  <a:t>Count how many are alive/dead</a:t>
+                </a:r>
+              </a:p>
+              <a:p>
+                <a:pPr lvl="1"/>
+                <a:r>
+                  <a:rPr lang="en-US" dirty="0"/>
+                  <a:t>Determine if central cell should live/die according to the Game of Life rules</a:t>
+                </a:r>
+              </a:p>
+            </p:txBody>
+          </p:sp>
+        </mc:Choice>
+        <mc:Fallback xmlns="">
+          <p:sp>
+            <p:nvSpPr>
+              <p:cNvPr id="4" name="Content Placeholder 3">
+                <a:extLst>
+                  <a:ext uri="{FF2B5EF4-FFF2-40B4-BE49-F238E27FC236}">
+                    <a16:creationId xmlns:a16="http://schemas.microsoft.com/office/drawing/2014/main" id="{B363DA70-8C56-49D4-AE8C-AF5F86DAF60E}"/>
+                  </a:ext>
+                </a:extLst>
+              </p:cNvPr>
+              <p:cNvSpPr>
+                <a:spLocks noGrp="1" noRot="1" noChangeAspect="1" noMove="1" noResize="1" noEditPoints="1" noAdjustHandles="1" noChangeArrowheads="1" noChangeShapeType="1" noTextEdit="1"/>
+              </p:cNvSpPr>
+              <p:nvPr>
+                <p:ph sz="half" idx="1"/>
+              </p:nvPr>
+            </p:nvSpPr>
+            <p:spPr>
+              <a:blipFill>
+                <a:blip r:embed="rId2"/>
+                <a:stretch>
+                  <a:fillRect l="-370" t="-1667"/>
+                </a:stretch>
+              </a:blipFill>
+            </p:spPr>
+            <p:txBody>
+              <a:bodyPr/>
+              <a:lstStyle/>
+              <a:p>
+                <a:r>
+                  <a:rPr lang="en-US">
+                    <a:noFill/>
+                  </a:rPr>
+                  <a:t> </a:t>
+                </a:r>
+              </a:p>
+            </p:txBody>
+          </p:sp>
+        </mc:Fallback>
+      </mc:AlternateContent>
+      <mc:AlternateContent xmlns:mc="http://schemas.openxmlformats.org/markup-compatibility/2006" xmlns:a14="http://schemas.microsoft.com/office/drawing/2010/main">
+        <mc:Choice Requires="a14">
+          <p:sp>
+            <p:nvSpPr>
+              <p:cNvPr id="5" name="Content Placeholder 4">
+                <a:extLst>
+                  <a:ext uri="{FF2B5EF4-FFF2-40B4-BE49-F238E27FC236}">
+                    <a16:creationId xmlns:a16="http://schemas.microsoft.com/office/drawing/2014/main" id="{595E5D20-4D91-48BD-A91E-428561308B64}"/>
+                  </a:ext>
+                </a:extLst>
+              </p:cNvPr>
+              <p:cNvSpPr>
+                <a:spLocks noGrp="1"/>
+              </p:cNvSpPr>
+              <p:nvPr>
+                <p:ph sz="half" idx="2"/>
+              </p:nvPr>
+            </p:nvSpPr>
+            <p:spPr/>
+            <p:txBody>
+              <a:bodyPr>
+                <a:normAutofit fontScale="70000" lnSpcReduction="20000"/>
+              </a:bodyPr>
+              <a:lstStyle/>
+              <a:p>
+                <a:pPr algn="ctr"/>
+                <a:r>
+                  <a:rPr lang="en-US" dirty="0"/>
+                  <a:t>2D array</a:t>
+                </a:r>
+                <a:endParaRPr lang="en-US" b="0" dirty="0"/>
+              </a:p>
+              <a:p>
+                <a:pPr algn="ctr"/>
+                <a14:m>
+                  <m:oMath xmlns:m="http://schemas.openxmlformats.org/officeDocument/2006/math">
+                    <m:d>
+                      <m:dPr>
+                        <m:begChr m:val="["/>
+                        <m:endChr m:val="]"/>
+                        <m:ctrlPr>
+                          <a:rPr lang="en-US" b="0" i="1" smtClean="0">
+                            <a:latin typeface="Cambria Math" panose="02040503050406030204" pitchFamily="18" charset="0"/>
+                          </a:rPr>
+                        </m:ctrlPr>
+                      </m:dPr>
+                      <m:e>
+                        <m:m>
+                          <m:mPr>
+                            <m:mcs>
+                              <m:mc>
+                                <m:mcPr>
+                                  <m:count m:val="4"/>
+                                  <m:mcJc m:val="center"/>
+                                </m:mcPr>
+                              </m:mc>
+                            </m:mcs>
+                            <m:ctrlPr>
+                              <a:rPr lang="en-US" i="1">
+                                <a:latin typeface="Cambria Math" panose="02040503050406030204" pitchFamily="18" charset="0"/>
+                              </a:rPr>
+                            </m:ctrlPr>
+                          </m:mPr>
+                          <m:mr>
+                            <m:e>
+                              <m:r>
+                                <m:rPr>
+                                  <m:brk m:alnAt="7"/>
+                                </m:rPr>
+                                <a:rPr lang="en-US" b="0" i="1" smtClean="0">
+                                  <a:latin typeface="Cambria Math" panose="02040503050406030204" pitchFamily="18" charset="0"/>
+                                </a:rPr>
+                                <m:t>0</m:t>
+                              </m:r>
+                            </m:e>
+                            <m:e>
+                              <m:r>
+                                <a:rPr lang="en-US" b="0" i="1" smtClean="0">
+                                  <a:latin typeface="Cambria Math" panose="02040503050406030204" pitchFamily="18" charset="0"/>
+                                </a:rPr>
+                                <m:t>0</m:t>
+                              </m:r>
+                            </m:e>
+                            <m:e>
+                              <m:r>
+                                <a:rPr lang="en-US" b="0" i="1" smtClean="0">
+                                  <a:latin typeface="Cambria Math" panose="02040503050406030204" pitchFamily="18" charset="0"/>
+                                </a:rPr>
+                                <m:t>0</m:t>
+                              </m:r>
+                            </m:e>
+                            <m:e>
+                              <m:r>
+                                <a:rPr lang="en-US" b="0" i="1" smtClean="0">
+                                  <a:latin typeface="Cambria Math" panose="02040503050406030204" pitchFamily="18" charset="0"/>
+                                </a:rPr>
+                                <m:t>1</m:t>
+                              </m:r>
+                            </m:e>
+                          </m:mr>
+                          <m:mr>
+                            <m:e>
+                              <m:r>
+                                <a:rPr lang="en-US" b="0" i="1" smtClean="0">
+                                  <a:latin typeface="Cambria Math" panose="02040503050406030204" pitchFamily="18" charset="0"/>
+                                </a:rPr>
+                                <m:t>0</m:t>
+                              </m:r>
+                            </m:e>
+                            <m:e>
+                              <m:r>
+                                <a:rPr lang="en-US" b="0" i="1" smtClean="0">
+                                  <a:latin typeface="Cambria Math" panose="02040503050406030204" pitchFamily="18" charset="0"/>
+                                </a:rPr>
+                                <m:t>0</m:t>
+                              </m:r>
+                            </m:e>
+                            <m:e>
+                              <m:r>
+                                <a:rPr lang="en-US" b="0" i="1" smtClean="0">
+                                  <a:solidFill>
+                                    <a:srgbClr val="00B050"/>
+                                  </a:solidFill>
+                                  <a:latin typeface="Cambria Math" panose="02040503050406030204" pitchFamily="18" charset="0"/>
+                                </a:rPr>
+                                <m:t>1</m:t>
+                              </m:r>
+                            </m:e>
+                            <m:e>
+                              <m:r>
+                                <a:rPr lang="en-US" b="0" i="1" smtClean="0">
+                                  <a:latin typeface="Cambria Math" panose="02040503050406030204" pitchFamily="18" charset="0"/>
+                                </a:rPr>
+                                <m:t>0</m:t>
+                              </m:r>
+                            </m:e>
+                          </m:mr>
+                          <m:mr>
+                            <m:e>
+                              <m:r>
+                                <a:rPr lang="en-US" b="0" i="1" smtClean="0">
+                                  <a:latin typeface="Cambria Math" panose="02040503050406030204" pitchFamily="18" charset="0"/>
+                                </a:rPr>
+                                <m:t>0</m:t>
+                              </m:r>
+                            </m:e>
+                            <m:e>
+                              <m:r>
+                                <a:rPr lang="en-US" b="0" i="1" smtClean="0">
+                                  <a:latin typeface="Cambria Math" panose="02040503050406030204" pitchFamily="18" charset="0"/>
+                                </a:rPr>
+                                <m:t>0</m:t>
+                              </m:r>
+                            </m:e>
+                            <m:e>
+                              <m:r>
+                                <a:rPr lang="en-US" b="0" i="1" smtClean="0">
+                                  <a:latin typeface="Cambria Math" panose="02040503050406030204" pitchFamily="18" charset="0"/>
+                                </a:rPr>
+                                <m:t>1</m:t>
+                              </m:r>
+                            </m:e>
+                            <m:e>
+                              <m:r>
+                                <a:rPr lang="en-US" b="0" i="1" smtClean="0">
+                                  <a:latin typeface="Cambria Math" panose="02040503050406030204" pitchFamily="18" charset="0"/>
+                                </a:rPr>
+                                <m:t>1</m:t>
+                              </m:r>
+                            </m:e>
+                          </m:mr>
+                          <m:mr>
+                            <m:e>
+                              <m:r>
+                                <a:rPr lang="en-US" b="0" i="1" smtClean="0">
+                                  <a:latin typeface="Cambria Math" panose="02040503050406030204" pitchFamily="18" charset="0"/>
+                                </a:rPr>
+                                <m:t>0</m:t>
+                              </m:r>
+                            </m:e>
+                            <m:e>
+                              <m:r>
+                                <a:rPr lang="en-US" b="0" i="1" smtClean="0">
+                                  <a:latin typeface="Cambria Math" panose="02040503050406030204" pitchFamily="18" charset="0"/>
+                                </a:rPr>
+                                <m:t>1</m:t>
+                              </m:r>
+                            </m:e>
+                            <m:e>
+                              <m:r>
+                                <a:rPr lang="en-US" b="0" i="1" smtClean="0">
+                                  <a:latin typeface="Cambria Math" panose="02040503050406030204" pitchFamily="18" charset="0"/>
+                                </a:rPr>
+                                <m:t>0</m:t>
+                              </m:r>
+                            </m:e>
+                            <m:e>
+                              <m:r>
+                                <a:rPr lang="en-US" b="0" i="1" smtClean="0">
+                                  <a:latin typeface="Cambria Math" panose="02040503050406030204" pitchFamily="18" charset="0"/>
+                                </a:rPr>
+                                <m:t>0</m:t>
+                              </m:r>
+                            </m:e>
+                          </m:mr>
+                        </m:m>
+                      </m:e>
+                    </m:d>
+                  </m:oMath>
+                </a14:m>
+                <a:endParaRPr lang="en-US" dirty="0"/>
+              </a:p>
+              <a:p>
+                <a:pPr algn="ctr"/>
+                <a:endParaRPr lang="en-US" dirty="0"/>
+              </a:p>
+              <a:p>
+                <a:pPr algn="ctr"/>
+                <a:r>
+                  <a:rPr lang="en-US" dirty="0"/>
+                  <a:t>1D array</a:t>
+                </a:r>
+              </a:p>
+              <a:p>
+                <a:pPr algn="ctr"/>
+                <a14:m>
+                  <m:oMath xmlns:m="http://schemas.openxmlformats.org/officeDocument/2006/math">
+                    <m:d>
+                      <m:dPr>
+                        <m:begChr m:val="["/>
+                        <m:endChr m:val="]"/>
+                        <m:ctrlPr>
+                          <a:rPr lang="en-US" b="0" i="1" smtClean="0">
+                            <a:latin typeface="Cambria Math" panose="02040503050406030204" pitchFamily="18" charset="0"/>
+                          </a:rPr>
+                        </m:ctrlPr>
+                      </m:dPr>
+                      <m:e>
+                        <m:m>
+                          <m:mPr>
+                            <m:mcs>
+                              <m:mc>
+                                <m:mcPr>
+                                  <m:count m:val="16"/>
+                                  <m:mcJc m:val="center"/>
+                                </m:mcPr>
+                              </m:mc>
+                            </m:mcs>
+                            <m:ctrlPr>
+                              <a:rPr lang="en-US" b="0" i="1" smtClean="0">
+                                <a:latin typeface="Cambria Math" panose="02040503050406030204" pitchFamily="18" charset="0"/>
+                              </a:rPr>
+                            </m:ctrlPr>
+                          </m:mPr>
+                          <m:mr>
+                            <m:e>
+                              <m:r>
+                                <m:rPr>
+                                  <m:brk m:alnAt="7"/>
+                                </m:rPr>
+                                <a:rPr lang="en-US" b="0" i="1" smtClean="0">
+                                  <a:latin typeface="Cambria Math" panose="02040503050406030204" pitchFamily="18" charset="0"/>
+                                </a:rPr>
+                                <m:t>0</m:t>
+                              </m:r>
+                            </m:e>
+                            <m:e>
+                              <m:r>
+                                <a:rPr lang="en-US" b="0" i="1" smtClean="0">
+                                  <a:latin typeface="Cambria Math" panose="02040503050406030204" pitchFamily="18" charset="0"/>
+                                </a:rPr>
+                                <m:t>0</m:t>
+                              </m:r>
+                            </m:e>
+                            <m:e>
+                              <m:r>
+                                <a:rPr lang="en-US" b="0" i="1" smtClean="0">
+                                  <a:latin typeface="Cambria Math" panose="02040503050406030204" pitchFamily="18" charset="0"/>
+                                </a:rPr>
+                                <m:t>0</m:t>
+                              </m:r>
+                            </m:e>
+                            <m:e>
+                              <m:r>
+                                <a:rPr lang="en-US" b="0" i="1" smtClean="0">
+                                  <a:latin typeface="Cambria Math" panose="02040503050406030204" pitchFamily="18" charset="0"/>
+                                </a:rPr>
+                                <m:t>1</m:t>
+                              </m:r>
+                            </m:e>
+                            <m:e>
+                              <m:r>
+                                <a:rPr lang="en-US" b="0" i="1" smtClean="0">
+                                  <a:latin typeface="Cambria Math" panose="02040503050406030204" pitchFamily="18" charset="0"/>
+                                </a:rPr>
+                                <m:t>0</m:t>
+                              </m:r>
+                            </m:e>
+                            <m:e>
+                              <m:r>
+                                <a:rPr lang="en-US" b="0" i="1" smtClean="0">
+                                  <a:latin typeface="Cambria Math" panose="02040503050406030204" pitchFamily="18" charset="0"/>
+                                </a:rPr>
+                                <m:t>0</m:t>
+                              </m:r>
+                            </m:e>
+                            <m:e>
+                              <m:r>
+                                <a:rPr lang="en-US" b="0" i="1" smtClean="0">
+                                  <a:solidFill>
+                                    <a:srgbClr val="00B050"/>
+                                  </a:solidFill>
+                                  <a:latin typeface="Cambria Math" panose="02040503050406030204" pitchFamily="18" charset="0"/>
+                                </a:rPr>
+                                <m:t>1</m:t>
+                              </m:r>
+                            </m:e>
+                            <m:e>
+                              <m:r>
+                                <a:rPr lang="en-US" b="0" i="1" smtClean="0">
+                                  <a:latin typeface="Cambria Math" panose="02040503050406030204" pitchFamily="18" charset="0"/>
+                                </a:rPr>
+                                <m:t>0</m:t>
+                              </m:r>
+                            </m:e>
+                            <m:e>
+                              <m:r>
+                                <a:rPr lang="en-US" b="0" i="1" smtClean="0">
+                                  <a:latin typeface="Cambria Math" panose="02040503050406030204" pitchFamily="18" charset="0"/>
+                                </a:rPr>
+                                <m:t>0</m:t>
+                              </m:r>
+                            </m:e>
+                            <m:e>
+                              <m:r>
+                                <a:rPr lang="en-US" b="0" i="1" smtClean="0">
+                                  <a:latin typeface="Cambria Math" panose="02040503050406030204" pitchFamily="18" charset="0"/>
+                                </a:rPr>
+                                <m:t>0</m:t>
+                              </m:r>
+                            </m:e>
+                            <m:e>
+                              <m:r>
+                                <a:rPr lang="en-US" b="0" i="1" smtClean="0">
+                                  <a:latin typeface="Cambria Math" panose="02040503050406030204" pitchFamily="18" charset="0"/>
+                                </a:rPr>
+                                <m:t>1</m:t>
+                              </m:r>
+                            </m:e>
+                            <m:e>
+                              <m:r>
+                                <a:rPr lang="en-US" b="0" i="1" smtClean="0">
+                                  <a:latin typeface="Cambria Math" panose="02040503050406030204" pitchFamily="18" charset="0"/>
+                                </a:rPr>
+                                <m:t>1</m:t>
+                              </m:r>
+                            </m:e>
+                            <m:e>
+                              <m:r>
+                                <a:rPr lang="en-US" b="0" i="1" smtClean="0">
+                                  <a:latin typeface="Cambria Math" panose="02040503050406030204" pitchFamily="18" charset="0"/>
+                                </a:rPr>
+                                <m:t>0</m:t>
+                              </m:r>
+                            </m:e>
+                            <m:e>
+                              <m:r>
+                                <a:rPr lang="en-US" b="0" i="1" smtClean="0">
+                                  <a:latin typeface="Cambria Math" panose="02040503050406030204" pitchFamily="18" charset="0"/>
+                                </a:rPr>
+                                <m:t>1</m:t>
+                              </m:r>
+                            </m:e>
+                            <m:e>
+                              <m:r>
+                                <a:rPr lang="en-US" b="0" i="1" smtClean="0">
+                                  <a:latin typeface="Cambria Math" panose="02040503050406030204" pitchFamily="18" charset="0"/>
+                                </a:rPr>
+                                <m:t>0</m:t>
+                              </m:r>
+                            </m:e>
+                            <m:e>
+                              <m:r>
+                                <a:rPr lang="en-US" b="0" i="1" smtClean="0">
+                                  <a:latin typeface="Cambria Math" panose="02040503050406030204" pitchFamily="18" charset="0"/>
+                                </a:rPr>
+                                <m:t>0</m:t>
+                              </m:r>
+                            </m:e>
+                          </m:mr>
+                        </m:m>
+                      </m:e>
+                    </m:d>
+                  </m:oMath>
+                </a14:m>
+                <a:endParaRPr lang="en-US" dirty="0"/>
+              </a:p>
+              <a:p>
+                <a:pPr algn="ctr"/>
+                <a:endParaRPr lang="en-US" dirty="0"/>
+              </a:p>
+              <a:p>
+                <a:pPr algn="ctr"/>
+                <a:r>
+                  <a:rPr lang="en-US" dirty="0"/>
+                  <a:t>Neighborhood</a:t>
+                </a:r>
+              </a:p>
+              <a:p>
+                <a:pPr algn="ctr"/>
+                <a14:m>
+                  <m:oMath xmlns:m="http://schemas.openxmlformats.org/officeDocument/2006/math">
+                    <m:d>
+                      <m:dPr>
+                        <m:begChr m:val="["/>
+                        <m:endChr m:val="]"/>
+                        <m:ctrlPr>
+                          <a:rPr lang="en-US" i="1" smtClean="0">
+                            <a:latin typeface="Cambria Math" panose="02040503050406030204" pitchFamily="18" charset="0"/>
+                          </a:rPr>
+                        </m:ctrlPr>
+                      </m:dPr>
+                      <m:e>
+                        <m:m>
+                          <m:mPr>
+                            <m:mcs>
+                              <m:mc>
+                                <m:mcPr>
+                                  <m:count m:val="3"/>
+                                  <m:mcJc m:val="center"/>
+                                </m:mcPr>
+                              </m:mc>
+                            </m:mcs>
+                            <m:ctrlPr>
+                              <a:rPr lang="en-US" i="1" smtClean="0">
+                                <a:latin typeface="Cambria Math" panose="02040503050406030204" pitchFamily="18" charset="0"/>
+                              </a:rPr>
+                            </m:ctrlPr>
+                          </m:mPr>
+                          <m:mr>
+                            <m:e>
+                              <m:r>
+                                <m:rPr>
+                                  <m:brk m:alnAt="7"/>
+                                </m:rPr>
+                                <a:rPr lang="en-US" b="0" i="1" smtClean="0">
+                                  <a:latin typeface="Cambria Math" panose="02040503050406030204" pitchFamily="18" charset="0"/>
+                                </a:rPr>
+                                <m:t>𝑁</m:t>
+                              </m:r>
+                            </m:e>
+                            <m:e>
+                              <m:r>
+                                <a:rPr lang="en-US" b="0" i="1" smtClean="0">
+                                  <a:latin typeface="Cambria Math" panose="02040503050406030204" pitchFamily="18" charset="0"/>
+                                </a:rPr>
+                                <m:t>𝑁</m:t>
+                              </m:r>
+                            </m:e>
+                            <m:e>
+                              <m:r>
+                                <a:rPr lang="en-US" b="0" i="1" smtClean="0">
+                                  <a:latin typeface="Cambria Math" panose="02040503050406030204" pitchFamily="18" charset="0"/>
+                                </a:rPr>
+                                <m:t>𝑁</m:t>
+                              </m:r>
+                            </m:e>
+                          </m:mr>
+                          <m:mr>
+                            <m:e>
+                              <m:r>
+                                <a:rPr lang="en-US" b="0" i="1" smtClean="0">
+                                  <a:latin typeface="Cambria Math" panose="02040503050406030204" pitchFamily="18" charset="0"/>
+                                </a:rPr>
+                                <m:t>𝑁</m:t>
+                              </m:r>
+                            </m:e>
+                            <m:e>
+                              <m:r>
+                                <a:rPr lang="en-US" b="0" i="1" smtClean="0">
+                                  <a:latin typeface="Cambria Math" panose="02040503050406030204" pitchFamily="18" charset="0"/>
+                                </a:rPr>
+                                <m:t>𝐶</m:t>
+                              </m:r>
+                            </m:e>
+                            <m:e>
+                              <m:r>
+                                <a:rPr lang="en-US" b="0" i="1" smtClean="0">
+                                  <a:latin typeface="Cambria Math" panose="02040503050406030204" pitchFamily="18" charset="0"/>
+                                </a:rPr>
+                                <m:t>𝑁</m:t>
+                              </m:r>
+                            </m:e>
+                          </m:mr>
+                          <m:mr>
+                            <m:e>
+                              <m:r>
+                                <a:rPr lang="en-US" b="0" i="1" smtClean="0">
+                                  <a:latin typeface="Cambria Math" panose="02040503050406030204" pitchFamily="18" charset="0"/>
+                                </a:rPr>
+                                <m:t>𝑁</m:t>
+                              </m:r>
+                            </m:e>
+                            <m:e>
+                              <m:r>
+                                <a:rPr lang="en-US" b="0" i="1" smtClean="0">
+                                  <a:latin typeface="Cambria Math" panose="02040503050406030204" pitchFamily="18" charset="0"/>
+                                </a:rPr>
+                                <m:t>𝑁</m:t>
+                              </m:r>
+                            </m:e>
+                            <m:e>
+                              <m:r>
+                                <a:rPr lang="en-US" b="0" i="1" smtClean="0">
+                                  <a:latin typeface="Cambria Math" panose="02040503050406030204" pitchFamily="18" charset="0"/>
+                                </a:rPr>
+                                <m:t>𝑁</m:t>
+                              </m:r>
+                            </m:e>
+                          </m:mr>
+                        </m:m>
+                      </m:e>
+                    </m:d>
+                  </m:oMath>
+                </a14:m>
+                <a:endParaRPr lang="en-US" dirty="0"/>
+              </a:p>
+            </p:txBody>
+          </p:sp>
+        </mc:Choice>
+        <mc:Fallback xmlns="">
+          <p:sp>
+            <p:nvSpPr>
+              <p:cNvPr id="5" name="Content Placeholder 4">
+                <a:extLst>
+                  <a:ext uri="{FF2B5EF4-FFF2-40B4-BE49-F238E27FC236}">
+                    <a16:creationId xmlns:a16="http://schemas.microsoft.com/office/drawing/2014/main" id="{595E5D20-4D91-48BD-A91E-428561308B64}"/>
+                  </a:ext>
+                </a:extLst>
+              </p:cNvPr>
+              <p:cNvSpPr>
+                <a:spLocks noGrp="1" noRot="1" noChangeAspect="1" noMove="1" noResize="1" noEditPoints="1" noAdjustHandles="1" noChangeArrowheads="1" noChangeShapeType="1" noTextEdit="1"/>
+              </p:cNvSpPr>
+              <p:nvPr>
+                <p:ph sz="half" idx="2"/>
+              </p:nvPr>
+            </p:nvSpPr>
+            <p:spPr>
+              <a:blipFill>
+                <a:blip r:embed="rId3"/>
+                <a:stretch>
+                  <a:fillRect t="-1667"/>
+                </a:stretch>
+              </a:blipFill>
+            </p:spPr>
+            <p:txBody>
+              <a:bodyPr/>
+              <a:lstStyle/>
+              <a:p>
+                <a:r>
+                  <a:rPr lang="en-US">
+                    <a:noFill/>
+                  </a:rPr>
+                  <a:t> </a:t>
+                </a:r>
+              </a:p>
+            </p:txBody>
+          </p:sp>
+        </mc:Fallback>
+      </mc:AlternateContent>
+    </p:spTree>
+    <p:extLst>
+      <p:ext uri="{BB962C8B-B14F-4D97-AF65-F5344CB8AC3E}">
+        <p14:creationId xmlns:p14="http://schemas.microsoft.com/office/powerpoint/2010/main" val="2548630940"/>
+      </p:ext>
+    </p:extLst>
+  </p:cSld>
+  <p:clrMapOvr>
+    <a:masterClrMapping/>
+  </p:clrMapOvr>
+  <p:timing>
+    <p:tnLst>
+      <p:par>
+        <p:cTn id="1" dur="indefinite" restart="never" nodeType="tmRoot">
+          <p:childTnLst>
+            <p:seq concurrent="1" nextAc="seek">
+              <p:cTn id="2" dur="indefinite" nodeType="mainSeq">
+                <p:childTnLst>
+                  <p:par>
+                    <p:cTn id="3" fill="hold">
+                      <p:stCondLst>
+                        <p:cond delay="indefinite"/>
+                      </p:stCondLst>
+                      <p:childTnLst>
+                        <p:par>
+                          <p:cTn id="4" fill="hold">
+                            <p:stCondLst>
+                              <p:cond delay="0"/>
+                            </p:stCondLst>
+                            <p:childTnLst>
+                              <p:par>
+                                <p:cTn id="5" presetID="1" presetClass="entr" presetSubtype="0" fill="hold" nodeType="clickEffect">
+                                  <p:stCondLst>
+                                    <p:cond delay="0"/>
+                                  </p:stCondLst>
+                                  <p:childTnLst>
+                                    <p:set>
+                                      <p:cBhvr>
+                                        <p:cTn id="6" dur="1" fill="hold">
+                                          <p:stCondLst>
+                                            <p:cond delay="0"/>
+                                          </p:stCondLst>
+                                        </p:cTn>
+                                        <p:tgtEl>
+                                          <p:spTgt spid="4">
+                                            <p:txEl>
+                                              <p:pRg st="5" end="5"/>
+                                            </p:txEl>
+                                          </p:spTgt>
+                                        </p:tgtEl>
+                                        <p:attrNameLst>
+                                          <p:attrName>style.visibility</p:attrName>
+                                        </p:attrNameLst>
+                                      </p:cBhvr>
+                                      <p:to>
+                                        <p:strVal val="visible"/>
+                                      </p:to>
+                                    </p:set>
+                                  </p:childTnLst>
+                                </p:cTn>
+                              </p:par>
+                            </p:childTnLst>
+                          </p:cTn>
+                        </p:par>
+                      </p:childTnLst>
+                    </p:cTn>
+                  </p:par>
+                  <p:par>
+                    <p:cTn id="7" fill="hold">
+                      <p:stCondLst>
+                        <p:cond delay="indefinite"/>
+                      </p:stCondLst>
+                      <p:childTnLst>
+                        <p:par>
+                          <p:cTn id="8" fill="hold">
+                            <p:stCondLst>
+                              <p:cond delay="0"/>
+                            </p:stCondLst>
+                            <p:childTnLst>
+                              <p:par>
+                                <p:cTn id="9" presetID="1" presetClass="entr" presetSubtype="0" fill="hold" nodeType="clickEffect">
+                                  <p:stCondLst>
+                                    <p:cond delay="0"/>
+                                  </p:stCondLst>
+                                  <p:childTnLst>
+                                    <p:set>
+                                      <p:cBhvr>
+                                        <p:cTn id="10" dur="1" fill="hold">
+                                          <p:stCondLst>
+                                            <p:cond delay="0"/>
+                                          </p:stCondLst>
+                                        </p:cTn>
+                                        <p:tgtEl>
+                                          <p:spTgt spid="4">
+                                            <p:txEl>
+                                              <p:pRg st="6" end="6"/>
+                                            </p:txEl>
+                                          </p:spTgt>
+                                        </p:tgtEl>
+                                        <p:attrNameLst>
+                                          <p:attrName>style.visibility</p:attrName>
+                                        </p:attrNameLst>
+                                      </p:cBhvr>
+                                      <p:to>
+                                        <p:strVal val="visible"/>
+                                      </p:to>
+                                    </p:set>
+                                  </p:childTnLst>
+                                </p:cTn>
+                              </p:par>
+                            </p:childTnLst>
+                          </p:cTn>
+                        </p:par>
+                      </p:childTnLst>
+                    </p:cTn>
+                  </p:par>
+                  <p:par>
+                    <p:cTn id="11" fill="hold">
+                      <p:stCondLst>
+                        <p:cond delay="indefinite"/>
+                      </p:stCondLst>
+                      <p:childTnLst>
+                        <p:par>
+                          <p:cTn id="12" fill="hold">
+                            <p:stCondLst>
+                              <p:cond delay="0"/>
+                            </p:stCondLst>
+                            <p:childTnLst>
+                              <p:par>
+                                <p:cTn id="13" presetID="1" presetClass="entr" presetSubtype="0" fill="hold" nodeType="clickEffect">
+                                  <p:stCondLst>
+                                    <p:cond delay="0"/>
+                                  </p:stCondLst>
+                                  <p:childTnLst>
+                                    <p:set>
+                                      <p:cBhvr>
+                                        <p:cTn id="14" dur="1" fill="hold">
+                                          <p:stCondLst>
+                                            <p:cond delay="0"/>
+                                          </p:stCondLst>
+                                        </p:cTn>
+                                        <p:tgtEl>
+                                          <p:spTgt spid="4">
+                                            <p:txEl>
+                                              <p:pRg st="7" end="7"/>
+                                            </p:txEl>
+                                          </p:spTgt>
+                                        </p:tgtEl>
+                                        <p:attrNameLst>
+                                          <p:attrName>style.visibility</p:attrName>
+                                        </p:attrNameLst>
+                                      </p:cBhvr>
+                                      <p:to>
+                                        <p:strVal val="visible"/>
+                                      </p:to>
+                                    </p:set>
+                                  </p:childTnLst>
+                                </p:cTn>
+                              </p:par>
+                              <p:par>
+                                <p:cTn id="15" presetID="1" presetClass="entr" presetSubtype="0" fill="hold" nodeType="withEffect">
+                                  <p:stCondLst>
+                                    <p:cond delay="0"/>
+                                  </p:stCondLst>
+                                  <p:childTnLst>
+                                    <p:set>
+                                      <p:cBhvr>
+                                        <p:cTn id="16" dur="1" fill="hold">
+                                          <p:stCondLst>
+                                            <p:cond delay="0"/>
+                                          </p:stCondLst>
+                                        </p:cTn>
+                                        <p:tgtEl>
+                                          <p:spTgt spid="4">
+                                            <p:txEl>
+                                              <p:pRg st="8" end="8"/>
+                                            </p:txEl>
+                                          </p:spTgt>
+                                        </p:tgtEl>
+                                        <p:attrNameLst>
+                                          <p:attrName>style.visibility</p:attrName>
+                                        </p:attrNameLst>
+                                      </p:cBhvr>
+                                      <p:to>
+                                        <p:strVal val="visible"/>
+                                      </p:to>
+                                    </p:set>
+                                  </p:childTnLst>
+                                </p:cTn>
+                              </p:par>
+                              <p:par>
+                                <p:cTn id="17" presetID="1" presetClass="entr" presetSubtype="0" fill="hold" nodeType="withEffect">
+                                  <p:stCondLst>
+                                    <p:cond delay="0"/>
+                                  </p:stCondLst>
+                                  <p:childTnLst>
+                                    <p:set>
+                                      <p:cBhvr>
+                                        <p:cTn id="18" dur="1" fill="hold">
+                                          <p:stCondLst>
+                                            <p:cond delay="0"/>
+                                          </p:stCondLst>
+                                        </p:cTn>
+                                        <p:tgtEl>
+                                          <p:spTgt spid="4">
+                                            <p:txEl>
+                                              <p:pRg st="9" end="9"/>
+                                            </p:txEl>
+                                          </p:spTgt>
+                                        </p:tgtEl>
+                                        <p:attrNameLst>
+                                          <p:attrName>style.visibility</p:attrName>
+                                        </p:attrNameLst>
+                                      </p:cBhvr>
+                                      <p:to>
+                                        <p:strVal val="visible"/>
+                                      </p:to>
+                                    </p:set>
+                                  </p:childTnLst>
+                                </p:cTn>
+                              </p:par>
+                              <p:par>
+                                <p:cTn id="19" presetID="1" presetClass="entr" presetSubtype="0" fill="hold" nodeType="withEffect">
+                                  <p:stCondLst>
+                                    <p:cond delay="0"/>
+                                  </p:stCondLst>
+                                  <p:childTnLst>
+                                    <p:set>
+                                      <p:cBhvr>
+                                        <p:cTn id="20" dur="1" fill="hold">
+                                          <p:stCondLst>
+                                            <p:cond delay="0"/>
+                                          </p:stCondLst>
+                                        </p:cTn>
+                                        <p:tgtEl>
+                                          <p:spTgt spid="4">
+                                            <p:txEl>
+                                              <p:pRg st="10" end="10"/>
+                                            </p:txEl>
+                                          </p:spTgt>
+                                        </p:tgtEl>
+                                        <p:attrNameLst>
+                                          <p:attrName>style.visibility</p:attrName>
+                                        </p:attrNameLst>
+                                      </p:cBhvr>
+                                      <p:to>
+                                        <p:strVal val="visible"/>
+                                      </p:to>
+                                    </p:set>
+                                  </p:childTnLst>
+                                </p:cTn>
+                              </p:par>
+                              <p:par>
+                                <p:cTn id="21" presetID="1" presetClass="entr" presetSubtype="0" fill="hold" nodeType="withEffect">
+                                  <p:stCondLst>
+                                    <p:cond delay="0"/>
+                                  </p:stCondLst>
+                                  <p:childTnLst>
+                                    <p:set>
+                                      <p:cBhvr>
+                                        <p:cTn id="22" dur="1" fill="hold">
+                                          <p:stCondLst>
+                                            <p:cond delay="0"/>
+                                          </p:stCondLst>
+                                        </p:cTn>
+                                        <p:tgtEl>
+                                          <p:spTgt spid="4">
+                                            <p:txEl>
+                                              <p:pRg st="11" end="11"/>
+                                            </p:txEl>
+                                          </p:spTgt>
+                                        </p:tgtEl>
+                                        <p:attrNameLst>
+                                          <p:attrName>style.visibility</p:attrName>
+                                        </p:attrNameLst>
+                                      </p:cBhvr>
+                                      <p:to>
+                                        <p:strVal val="visible"/>
+                                      </p:to>
+                                    </p:set>
+                                  </p:childTnLst>
+                                </p:cTn>
+                              </p:par>
+                            </p:childTnLst>
+                          </p:cTn>
+                        </p:par>
+                      </p:childTnLst>
+                    </p:cTn>
+                  </p:par>
+                </p:childTnLst>
+              </p:cTn>
+              <p:prevCondLst>
+                <p:cond evt="onPrev" delay="0">
+                  <p:tgtEl>
+                    <p:sldTgt/>
+                  </p:tgtEl>
+                </p:cond>
+              </p:prevCondLst>
+              <p:nextCondLst>
+                <p:cond evt="onNext" delay="0">
+                  <p:tgtEl>
+                    <p:sldTgt/>
+                  </p:tgtEl>
+                </p:cond>
+              </p:nextCondLst>
+            </p:seq>
+          </p:childTnLst>
+        </p:cTn>
+      </p:par>
+    </p:tnLst>
+  </p:timing>
+</p:sld>
+</file>
+
+<file path=ppt/slides/slide11.xml><?xml version="1.0" encoding="utf-8"?>
+<p:sld xmlns:a="http://schemas.openxmlformats.org/drawingml/2006/main" xmlns:r="http://schemas.openxmlformats.org/officeDocument/2006/relationships" xmlns:p="http://schemas.openxmlformats.org/presentationml/2006/main">
+  <p:cSld>
+    <p:spTree>
+      <p:nvGrpSpPr>
+        <p:cNvPr id="1" name=""/>
+        <p:cNvGrpSpPr/>
+        <p:nvPr/>
+      </p:nvGrpSpPr>
+      <p:grpSpPr>
+        <a:xfrm>
+          <a:off x="0" y="0"/>
+          <a:ext cx="0" cy="0"/>
+          <a:chOff x="0" y="0"/>
+          <a:chExt cx="0" cy="0"/>
+        </a:xfrm>
+      </p:grpSpPr>
+      <p:sp>
+        <p:nvSpPr>
+          <p:cNvPr id="2" name="Title 1">
+            <a:extLst>
+              <a:ext uri="{FF2B5EF4-FFF2-40B4-BE49-F238E27FC236}">
                 <a16:creationId xmlns:a16="http://schemas.microsoft.com/office/drawing/2014/main" id="{BC2C4B21-3481-4BD1-884B-879761569508}"/>
               </a:ext>
             </a:extLst>
@@ -3926,8 +5046,8 @@
           </a:p>
         </p:txBody>
       </p:sp>
-      <mc:AlternateContent xmlns:mc="http://schemas.openxmlformats.org/markup-compatibility/2006">
-        <mc:Choice xmlns:a14="http://schemas.microsoft.com/office/drawing/2010/main" Requires="a14">
+      <mc:AlternateContent xmlns:mc="http://schemas.openxmlformats.org/markup-compatibility/2006" xmlns:a14="http://schemas.microsoft.com/office/drawing/2010/main">
+        <mc:Choice Requires="a14">
           <p:sp>
             <p:nvSpPr>
               <p:cNvPr id="3" name="Content Placeholder 2">
@@ -4170,7 +5290,13 @@
                                 <a:rPr lang="en-US" b="0" i="1" smtClean="0">
                                   <a:latin typeface="Cambria Math" panose="02040503050406030204" pitchFamily="18" charset="0"/>
                                 </a:rPr>
-                                <m:t>−1</m:t>
+                                <m:t>−</m:t>
+                              </m:r>
+                              <m:r>
+                                <a:rPr lang="en-US" b="0" i="1" smtClean="0">
+                                  <a:latin typeface="Cambria Math" panose="02040503050406030204" pitchFamily="18" charset="0"/>
+                                </a:rPr>
+                                <m:t>1</m:t>
                               </m:r>
                             </m:e>
                             <m:e>
@@ -4559,7 +5685,7 @@
             </p:txBody>
           </p:sp>
         </mc:Choice>
-        <mc:Fallback>
+        <mc:Fallback xmlns="">
           <p:sp>
             <p:nvSpPr>
               <p:cNvPr id="3" name="Content Placeholder 2">
@@ -7633,6 +8759,228 @@
 <file path=ppt/slides/slide8.xml><?xml version="1.0" encoding="utf-8"?>
 <p:sld xmlns:a="http://schemas.openxmlformats.org/drawingml/2006/main" xmlns:r="http://schemas.openxmlformats.org/officeDocument/2006/relationships" xmlns:p="http://schemas.openxmlformats.org/presentationml/2006/main">
   <p:cSld>
+    <p:spTree>
+      <p:nvGrpSpPr>
+        <p:cNvPr id="1" name=""/>
+        <p:cNvGrpSpPr/>
+        <p:nvPr/>
+      </p:nvGrpSpPr>
+      <p:grpSpPr>
+        <a:xfrm>
+          <a:off x="0" y="0"/>
+          <a:ext cx="0" cy="0"/>
+          <a:chOff x="0" y="0"/>
+          <a:chExt cx="0" cy="0"/>
+        </a:xfrm>
+      </p:grpSpPr>
+      <p:sp>
+        <p:nvSpPr>
+          <p:cNvPr id="2" name="Title 1">
+            <a:extLst>
+              <a:ext uri="{FF2B5EF4-FFF2-40B4-BE49-F238E27FC236}">
+                <a16:creationId xmlns:a16="http://schemas.microsoft.com/office/drawing/2014/main" id="{647C32AD-D834-42EE-AC66-8874D8F165A4}"/>
+              </a:ext>
+            </a:extLst>
+          </p:cNvPr>
+          <p:cNvSpPr>
+            <a:spLocks noGrp="1"/>
+          </p:cNvSpPr>
+          <p:nvPr>
+            <p:ph type="title"/>
+          </p:nvPr>
+        </p:nvSpPr>
+        <p:spPr/>
+        <p:txBody>
+          <a:bodyPr/>
+          <a:lstStyle/>
+          <a:p>
+            <a:r>
+              <a:rPr lang="en-US" dirty="0"/>
+              <a:t>Lab Testing</a:t>
+            </a:r>
+          </a:p>
+        </p:txBody>
+      </p:sp>
+      <p:sp>
+        <p:nvSpPr>
+          <p:cNvPr id="6" name="Text Placeholder 5">
+            <a:extLst>
+              <a:ext uri="{FF2B5EF4-FFF2-40B4-BE49-F238E27FC236}">
+                <a16:creationId xmlns:a16="http://schemas.microsoft.com/office/drawing/2014/main" id="{806B7A36-FF4E-45F9-9AB4-E46ED97E187C}"/>
+              </a:ext>
+            </a:extLst>
+          </p:cNvPr>
+          <p:cNvSpPr>
+            <a:spLocks noGrp="1"/>
+          </p:cNvSpPr>
+          <p:nvPr>
+            <p:ph type="body" idx="1"/>
+          </p:nvPr>
+        </p:nvSpPr>
+        <p:spPr/>
+        <p:txBody>
+          <a:bodyPr/>
+          <a:lstStyle/>
+          <a:p>
+            <a:pPr algn="ctr"/>
+            <a:r>
+              <a:rPr lang="en-US" dirty="0"/>
+              <a:t>Lab 4</a:t>
+            </a:r>
+          </a:p>
+        </p:txBody>
+      </p:sp>
+      <p:pic>
+        <p:nvPicPr>
+          <p:cNvPr id="13" name="Content Placeholder 12">
+            <a:extLst>
+              <a:ext uri="{FF2B5EF4-FFF2-40B4-BE49-F238E27FC236}">
+                <a16:creationId xmlns:a16="http://schemas.microsoft.com/office/drawing/2014/main" id="{75D9E255-EC45-4418-AD3C-02116D2F10C3}"/>
+              </a:ext>
+            </a:extLst>
+          </p:cNvPr>
+          <p:cNvPicPr>
+            <a:picLocks noGrp="1" noChangeAspect="1"/>
+          </p:cNvPicPr>
+          <p:nvPr>
+            <p:ph sz="half" idx="2"/>
+          </p:nvPr>
+        </p:nvPicPr>
+        <p:blipFill>
+          <a:blip r:embed="rId2">
+            <a:extLst>
+              <a:ext uri="{28A0092B-C50C-407E-A947-70E740481C1C}">
+                <a14:useLocalDpi xmlns:a14="http://schemas.microsoft.com/office/drawing/2010/main" val="0"/>
+              </a:ext>
+            </a:extLst>
+          </a:blip>
+          <a:stretch>
+            <a:fillRect/>
+          </a:stretch>
+        </p:blipFill>
+        <p:spPr>
+          <a:xfrm>
+            <a:off x="196655" y="2909922"/>
+            <a:ext cx="3272228" cy="2731479"/>
+          </a:xfrm>
+        </p:spPr>
+      </p:pic>
+      <p:sp>
+        <p:nvSpPr>
+          <p:cNvPr id="8" name="Text Placeholder 7">
+            <a:extLst>
+              <a:ext uri="{FF2B5EF4-FFF2-40B4-BE49-F238E27FC236}">
+                <a16:creationId xmlns:a16="http://schemas.microsoft.com/office/drawing/2014/main" id="{8F505410-B482-4F86-A218-07CED55029E2}"/>
+              </a:ext>
+            </a:extLst>
+          </p:cNvPr>
+          <p:cNvSpPr>
+            <a:spLocks noGrp="1"/>
+          </p:cNvSpPr>
+          <p:nvPr>
+            <p:ph type="body" sz="quarter" idx="3"/>
+          </p:nvPr>
+        </p:nvSpPr>
+        <p:spPr/>
+        <p:txBody>
+          <a:bodyPr/>
+          <a:lstStyle/>
+          <a:p>
+            <a:pPr algn="ctr"/>
+            <a:r>
+              <a:rPr lang="en-US" dirty="0"/>
+              <a:t>Lab 5</a:t>
+            </a:r>
+          </a:p>
+        </p:txBody>
+      </p:sp>
+      <p:pic>
+        <p:nvPicPr>
+          <p:cNvPr id="15" name="Content Placeholder 14" descr="Screen of a cell phone&#10;&#10;Description generated with high confidence">
+            <a:extLst>
+              <a:ext uri="{FF2B5EF4-FFF2-40B4-BE49-F238E27FC236}">
+                <a16:creationId xmlns:a16="http://schemas.microsoft.com/office/drawing/2014/main" id="{9F913A07-C011-4C4E-B275-1A6EF7937343}"/>
+              </a:ext>
+            </a:extLst>
+          </p:cNvPr>
+          <p:cNvPicPr>
+            <a:picLocks noGrp="1" noChangeAspect="1"/>
+          </p:cNvPicPr>
+          <p:nvPr>
+            <p:ph sz="quarter" idx="4"/>
+          </p:nvPr>
+        </p:nvPicPr>
+        <p:blipFill>
+          <a:blip r:embed="rId3">
+            <a:extLst>
+              <a:ext uri="{28A0092B-C50C-407E-A947-70E740481C1C}">
+                <a14:useLocalDpi xmlns:a14="http://schemas.microsoft.com/office/drawing/2010/main" val="0"/>
+              </a:ext>
+            </a:extLst>
+          </a:blip>
+          <a:stretch>
+            <a:fillRect/>
+          </a:stretch>
+        </p:blipFill>
+        <p:spPr>
+          <a:xfrm>
+            <a:off x="7880620" y="2632604"/>
+            <a:ext cx="3771900" cy="3286125"/>
+          </a:xfrm>
+        </p:spPr>
+      </p:pic>
+      <p:pic>
+        <p:nvPicPr>
+          <p:cNvPr id="17" name="Picture 16">
+            <a:extLst>
+              <a:ext uri="{FF2B5EF4-FFF2-40B4-BE49-F238E27FC236}">
+                <a16:creationId xmlns:a16="http://schemas.microsoft.com/office/drawing/2014/main" id="{0EC8EAA6-1CBF-4F95-A697-5C963CEB054E}"/>
+              </a:ext>
+            </a:extLst>
+          </p:cNvPr>
+          <p:cNvPicPr>
+            <a:picLocks noChangeAspect="1"/>
+          </p:cNvPicPr>
+          <p:nvPr/>
+        </p:nvPicPr>
+        <p:blipFill>
+          <a:blip r:embed="rId4">
+            <a:extLst>
+              <a:ext uri="{28A0092B-C50C-407E-A947-70E740481C1C}">
+                <a14:useLocalDpi xmlns:a14="http://schemas.microsoft.com/office/drawing/2010/main" val="0"/>
+              </a:ext>
+            </a:extLst>
+          </a:blip>
+          <a:stretch>
+            <a:fillRect/>
+          </a:stretch>
+        </p:blipFill>
+        <p:spPr>
+          <a:xfrm>
+            <a:off x="3663437" y="3259624"/>
+            <a:ext cx="3469039" cy="2032073"/>
+          </a:xfrm>
+          <a:prstGeom prst="rect">
+            <a:avLst/>
+          </a:prstGeom>
+        </p:spPr>
+      </p:pic>
+    </p:spTree>
+    <p:extLst>
+      <p:ext uri="{BB962C8B-B14F-4D97-AF65-F5344CB8AC3E}">
+        <p14:creationId xmlns:p14="http://schemas.microsoft.com/office/powerpoint/2010/main" val="2928221150"/>
+      </p:ext>
+    </p:extLst>
+  </p:cSld>
+  <p:clrMapOvr>
+    <a:masterClrMapping/>
+  </p:clrMapOvr>
+</p:sld>
+</file>
+
+<file path=ppt/slides/slide9.xml><?xml version="1.0" encoding="utf-8"?>
+<p:sld xmlns:a="http://schemas.openxmlformats.org/drawingml/2006/main" xmlns:r="http://schemas.openxmlformats.org/officeDocument/2006/relationships" xmlns:p="http://schemas.openxmlformats.org/presentationml/2006/main">
+  <p:cSld>
     <p:bg>
       <p:bgPr>
         <a:solidFill>
@@ -7930,1125 +9278,6 @@
   <p:clrMapOvr>
     <a:masterClrMapping/>
   </p:clrMapOvr>
-</p:sld>
-</file>
-
-<file path=ppt/slides/slide9.xml><?xml version="1.0" encoding="utf-8"?>
-<p:sld xmlns:a="http://schemas.openxmlformats.org/drawingml/2006/main" xmlns:r="http://schemas.openxmlformats.org/officeDocument/2006/relationships" xmlns:p="http://schemas.openxmlformats.org/presentationml/2006/main">
-  <p:cSld>
-    <p:spTree>
-      <p:nvGrpSpPr>
-        <p:cNvPr id="1" name=""/>
-        <p:cNvGrpSpPr/>
-        <p:nvPr/>
-      </p:nvGrpSpPr>
-      <p:grpSpPr>
-        <a:xfrm>
-          <a:off x="0" y="0"/>
-          <a:ext cx="0" cy="0"/>
-          <a:chOff x="0" y="0"/>
-          <a:chExt cx="0" cy="0"/>
-        </a:xfrm>
-      </p:grpSpPr>
-      <p:sp>
-        <p:nvSpPr>
-          <p:cNvPr id="2" name="Title 1">
-            <a:extLst>
-              <a:ext uri="{FF2B5EF4-FFF2-40B4-BE49-F238E27FC236}">
-                <a16:creationId xmlns:a16="http://schemas.microsoft.com/office/drawing/2014/main" id="{EF660287-F1AD-4C86-8507-2295D57FECA3}"/>
-              </a:ext>
-            </a:extLst>
-          </p:cNvPr>
-          <p:cNvSpPr>
-            <a:spLocks noGrp="1"/>
-          </p:cNvSpPr>
-          <p:nvPr>
-            <p:ph type="title"/>
-          </p:nvPr>
-        </p:nvSpPr>
-        <p:spPr/>
-        <p:txBody>
-          <a:bodyPr/>
-          <a:lstStyle/>
-          <a:p>
-            <a:r>
-              <a:rPr lang="en-US" dirty="0"/>
-              <a:t>MP5 – Game Board </a:t>
-            </a:r>
-          </a:p>
-        </p:txBody>
-      </p:sp>
-      <mc:AlternateContent xmlns:mc="http://schemas.openxmlformats.org/markup-compatibility/2006">
-        <mc:Choice xmlns:a14="http://schemas.microsoft.com/office/drawing/2010/main" Requires="a14">
-          <p:sp>
-            <p:nvSpPr>
-              <p:cNvPr id="4" name="Content Placeholder 3">
-                <a:extLst>
-                  <a:ext uri="{FF2B5EF4-FFF2-40B4-BE49-F238E27FC236}">
-                    <a16:creationId xmlns:a16="http://schemas.microsoft.com/office/drawing/2014/main" id="{B363DA70-8C56-49D4-AE8C-AF5F86DAF60E}"/>
-                  </a:ext>
-                </a:extLst>
-              </p:cNvPr>
-              <p:cNvSpPr>
-                <a:spLocks noGrp="1"/>
-              </p:cNvSpPr>
-              <p:nvPr>
-                <p:ph sz="half" idx="1"/>
-              </p:nvPr>
-            </p:nvSpPr>
-            <p:spPr/>
-            <p:txBody>
-              <a:bodyPr>
-                <a:normAutofit fontScale="70000" lnSpcReduction="20000"/>
-              </a:bodyPr>
-              <a:lstStyle/>
-              <a:p>
-                <a:r>
-                  <a:rPr lang="en-US" dirty="0"/>
-                  <a:t>Game board</a:t>
-                </a:r>
-              </a:p>
-              <a:p>
-                <a:pPr lvl="1"/>
-                <a:r>
-                  <a:rPr lang="en-US" dirty="0"/>
-                  <a:t>2D array represented as a 1D array</a:t>
-                </a:r>
-              </a:p>
-              <a:p>
-                <a:r>
-                  <a:rPr lang="en-US" dirty="0"/>
-                  <a:t>Array access of green element</a:t>
-                </a:r>
-              </a:p>
-              <a:p>
-                <a:pPr lvl="1"/>
-                <a:r>
-                  <a:rPr lang="en-US" dirty="0"/>
-                  <a:t>2D – array[1][2]</a:t>
-                </a:r>
-              </a:p>
-              <a:p>
-                <a:pPr lvl="1"/>
-                <a:r>
-                  <a:rPr lang="en-US" dirty="0"/>
-                  <a:t>1D – array[6]</a:t>
-                </a:r>
-              </a:p>
-              <a:p>
-                <a:r>
-                  <a:rPr lang="en-US" dirty="0"/>
-                  <a:t>How to translate between 2D and 1D arrays?</a:t>
-                </a:r>
-              </a:p>
-              <a:p>
-                <a:pPr lvl="1"/>
-                <a14:m>
-                  <m:oMath xmlns:m="http://schemas.openxmlformats.org/officeDocument/2006/math">
-                    <m:r>
-                      <a:rPr lang="en-US" b="0" i="1" smtClean="0">
-                        <a:latin typeface="Cambria Math" panose="02040503050406030204" pitchFamily="18" charset="0"/>
-                      </a:rPr>
-                      <m:t>𝑖𝑑𝑥</m:t>
-                    </m:r>
-                    <m:r>
-                      <a:rPr lang="en-US" b="0" i="1" smtClean="0">
-                        <a:latin typeface="Cambria Math" panose="02040503050406030204" pitchFamily="18" charset="0"/>
-                      </a:rPr>
-                      <m:t>=</m:t>
-                    </m:r>
-                    <m:r>
-                      <a:rPr lang="en-US" b="0" i="1" smtClean="0">
-                        <a:latin typeface="Cambria Math" panose="02040503050406030204" pitchFamily="18" charset="0"/>
-                      </a:rPr>
-                      <m:t>𝑟𝑜𝑤</m:t>
-                    </m:r>
-                    <m:r>
-                      <a:rPr lang="en-US" b="0" i="1" smtClean="0">
-                        <a:latin typeface="Cambria Math" panose="02040503050406030204" pitchFamily="18" charset="0"/>
-                      </a:rPr>
-                      <m:t> ∗</m:t>
-                    </m:r>
-                    <m:r>
-                      <a:rPr lang="en-US" b="0" i="1" smtClean="0">
-                        <a:latin typeface="Cambria Math" panose="02040503050406030204" pitchFamily="18" charset="0"/>
-                      </a:rPr>
-                      <m:t>𝑊𝐼𝐷𝑇𝐻</m:t>
-                    </m:r>
-                    <m:r>
-                      <a:rPr lang="en-US" b="0" i="1" smtClean="0">
-                        <a:latin typeface="Cambria Math" panose="02040503050406030204" pitchFamily="18" charset="0"/>
-                      </a:rPr>
-                      <m:t>+</m:t>
-                    </m:r>
-                    <m:r>
-                      <a:rPr lang="en-US" b="0" i="1" smtClean="0">
-                        <a:latin typeface="Cambria Math" panose="02040503050406030204" pitchFamily="18" charset="0"/>
-                      </a:rPr>
-                      <m:t>𝑐𝑜𝑙</m:t>
-                    </m:r>
-                  </m:oMath>
-                </a14:m>
-                <a:endParaRPr lang="en-US" dirty="0"/>
-              </a:p>
-              <a:p>
-                <a:r>
-                  <a:rPr lang="en-US" dirty="0"/>
-                  <a:t>Updating board game</a:t>
-                </a:r>
-              </a:p>
-              <a:p>
-                <a:pPr lvl="1"/>
-                <a:r>
-                  <a:rPr lang="en-US" dirty="0"/>
-                  <a:t>Iterate through every cell in the game board</a:t>
-                </a:r>
-              </a:p>
-              <a:p>
-                <a:pPr lvl="1"/>
-                <a:r>
-                  <a:rPr lang="en-US" dirty="0"/>
-                  <a:t>Given a central cell, access eight neighbors around it</a:t>
-                </a:r>
-              </a:p>
-              <a:p>
-                <a:pPr lvl="2"/>
-                <a:r>
-                  <a:rPr lang="en-US" dirty="0"/>
-                  <a:t>Count how many are alive/dead</a:t>
-                </a:r>
-              </a:p>
-              <a:p>
-                <a:pPr lvl="1"/>
-                <a:r>
-                  <a:rPr lang="en-US" dirty="0"/>
-                  <a:t>Determine if central cell should live/die according to the Game of Life rules</a:t>
-                </a:r>
-              </a:p>
-            </p:txBody>
-          </p:sp>
-        </mc:Choice>
-        <mc:Fallback>
-          <p:sp>
-            <p:nvSpPr>
-              <p:cNvPr id="4" name="Content Placeholder 3">
-                <a:extLst>
-                  <a:ext uri="{FF2B5EF4-FFF2-40B4-BE49-F238E27FC236}">
-                    <a16:creationId xmlns:a16="http://schemas.microsoft.com/office/drawing/2014/main" id="{B363DA70-8C56-49D4-AE8C-AF5F86DAF60E}"/>
-                  </a:ext>
-                </a:extLst>
-              </p:cNvPr>
-              <p:cNvSpPr>
-                <a:spLocks noGrp="1" noRot="1" noChangeAspect="1" noMove="1" noResize="1" noEditPoints="1" noAdjustHandles="1" noChangeArrowheads="1" noChangeShapeType="1" noTextEdit="1"/>
-              </p:cNvSpPr>
-              <p:nvPr>
-                <p:ph sz="half" idx="1"/>
-              </p:nvPr>
-            </p:nvSpPr>
-            <p:spPr>
-              <a:blipFill>
-                <a:blip r:embed="rId2"/>
-                <a:stretch>
-                  <a:fillRect l="-370" t="-1667"/>
-                </a:stretch>
-              </a:blipFill>
-            </p:spPr>
-            <p:txBody>
-              <a:bodyPr/>
-              <a:lstStyle/>
-              <a:p>
-                <a:r>
-                  <a:rPr lang="en-US">
-                    <a:noFill/>
-                  </a:rPr>
-                  <a:t> </a:t>
-                </a:r>
-              </a:p>
-            </p:txBody>
-          </p:sp>
-        </mc:Fallback>
-      </mc:AlternateContent>
-      <mc:AlternateContent xmlns:mc="http://schemas.openxmlformats.org/markup-compatibility/2006">
-        <mc:Choice xmlns:a14="http://schemas.microsoft.com/office/drawing/2010/main" Requires="a14">
-          <p:sp>
-            <p:nvSpPr>
-              <p:cNvPr id="5" name="Content Placeholder 4">
-                <a:extLst>
-                  <a:ext uri="{FF2B5EF4-FFF2-40B4-BE49-F238E27FC236}">
-                    <a16:creationId xmlns:a16="http://schemas.microsoft.com/office/drawing/2014/main" id="{595E5D20-4D91-48BD-A91E-428561308B64}"/>
-                  </a:ext>
-                </a:extLst>
-              </p:cNvPr>
-              <p:cNvSpPr>
-                <a:spLocks noGrp="1"/>
-              </p:cNvSpPr>
-              <p:nvPr>
-                <p:ph sz="half" idx="2"/>
-              </p:nvPr>
-            </p:nvSpPr>
-            <p:spPr/>
-            <p:txBody>
-              <a:bodyPr>
-                <a:normAutofit fontScale="70000" lnSpcReduction="20000"/>
-              </a:bodyPr>
-              <a:lstStyle/>
-              <a:p>
-                <a:pPr algn="ctr"/>
-                <a:r>
-                  <a:rPr lang="en-US" dirty="0"/>
-                  <a:t>2D array</a:t>
-                </a:r>
-                <a:endParaRPr lang="en-US" b="0" dirty="0"/>
-              </a:p>
-              <a:p>
-                <a:pPr algn="ctr"/>
-                <a14:m>
-                  <m:oMath xmlns:m="http://schemas.openxmlformats.org/officeDocument/2006/math">
-                    <m:d>
-                      <m:dPr>
-                        <m:begChr m:val="["/>
-                        <m:endChr m:val="]"/>
-                        <m:ctrlPr>
-                          <a:rPr lang="en-US" b="0" i="1" smtClean="0">
-                            <a:latin typeface="Cambria Math" panose="02040503050406030204" pitchFamily="18" charset="0"/>
-                          </a:rPr>
-                        </m:ctrlPr>
-                      </m:dPr>
-                      <m:e>
-                        <m:m>
-                          <m:mPr>
-                            <m:mcs>
-                              <m:mc>
-                                <m:mcPr>
-                                  <m:count m:val="4"/>
-                                  <m:mcJc m:val="center"/>
-                                </m:mcPr>
-                              </m:mc>
-                            </m:mcs>
-                            <m:ctrlPr>
-                              <a:rPr lang="en-US" i="1">
-                                <a:latin typeface="Cambria Math" panose="02040503050406030204" pitchFamily="18" charset="0"/>
-                              </a:rPr>
-                            </m:ctrlPr>
-                          </m:mPr>
-                          <m:mr>
-                            <m:e>
-                              <m:r>
-                                <m:rPr>
-                                  <m:brk m:alnAt="7"/>
-                                </m:rPr>
-                                <a:rPr lang="en-US" b="0" i="1" smtClean="0">
-                                  <a:latin typeface="Cambria Math" panose="02040503050406030204" pitchFamily="18" charset="0"/>
-                                </a:rPr>
-                                <m:t>0</m:t>
-                              </m:r>
-                            </m:e>
-                            <m:e>
-                              <m:r>
-                                <a:rPr lang="en-US" b="0" i="1" smtClean="0">
-                                  <a:latin typeface="Cambria Math" panose="02040503050406030204" pitchFamily="18" charset="0"/>
-                                </a:rPr>
-                                <m:t>0</m:t>
-                              </m:r>
-                            </m:e>
-                            <m:e>
-                              <m:r>
-                                <a:rPr lang="en-US" b="0" i="1" smtClean="0">
-                                  <a:latin typeface="Cambria Math" panose="02040503050406030204" pitchFamily="18" charset="0"/>
-                                </a:rPr>
-                                <m:t>0</m:t>
-                              </m:r>
-                            </m:e>
-                            <m:e>
-                              <m:r>
-                                <a:rPr lang="en-US" b="0" i="1" smtClean="0">
-                                  <a:latin typeface="Cambria Math" panose="02040503050406030204" pitchFamily="18" charset="0"/>
-                                </a:rPr>
-                                <m:t>1</m:t>
-                              </m:r>
-                            </m:e>
-                          </m:mr>
-                          <m:mr>
-                            <m:e>
-                              <m:r>
-                                <a:rPr lang="en-US" b="0" i="1" smtClean="0">
-                                  <a:latin typeface="Cambria Math" panose="02040503050406030204" pitchFamily="18" charset="0"/>
-                                </a:rPr>
-                                <m:t>0</m:t>
-                              </m:r>
-                            </m:e>
-                            <m:e>
-                              <m:r>
-                                <a:rPr lang="en-US" b="0" i="1" smtClean="0">
-                                  <a:latin typeface="Cambria Math" panose="02040503050406030204" pitchFamily="18" charset="0"/>
-                                </a:rPr>
-                                <m:t>0</m:t>
-                              </m:r>
-                            </m:e>
-                            <m:e>
-                              <m:r>
-                                <a:rPr lang="en-US" b="0" i="1" smtClean="0">
-                                  <a:solidFill>
-                                    <a:srgbClr val="00B050"/>
-                                  </a:solidFill>
-                                  <a:latin typeface="Cambria Math" panose="02040503050406030204" pitchFamily="18" charset="0"/>
-                                </a:rPr>
-                                <m:t>1</m:t>
-                              </m:r>
-                            </m:e>
-                            <m:e>
-                              <m:r>
-                                <a:rPr lang="en-US" b="0" i="1" smtClean="0">
-                                  <a:latin typeface="Cambria Math" panose="02040503050406030204" pitchFamily="18" charset="0"/>
-                                </a:rPr>
-                                <m:t>0</m:t>
-                              </m:r>
-                            </m:e>
-                          </m:mr>
-                          <m:mr>
-                            <m:e>
-                              <m:r>
-                                <a:rPr lang="en-US" b="0" i="1" smtClean="0">
-                                  <a:latin typeface="Cambria Math" panose="02040503050406030204" pitchFamily="18" charset="0"/>
-                                </a:rPr>
-                                <m:t>0</m:t>
-                              </m:r>
-                            </m:e>
-                            <m:e>
-                              <m:r>
-                                <a:rPr lang="en-US" b="0" i="1" smtClean="0">
-                                  <a:latin typeface="Cambria Math" panose="02040503050406030204" pitchFamily="18" charset="0"/>
-                                </a:rPr>
-                                <m:t>0</m:t>
-                              </m:r>
-                            </m:e>
-                            <m:e>
-                              <m:r>
-                                <a:rPr lang="en-US" b="0" i="1" smtClean="0">
-                                  <a:latin typeface="Cambria Math" panose="02040503050406030204" pitchFamily="18" charset="0"/>
-                                </a:rPr>
-                                <m:t>1</m:t>
-                              </m:r>
-                            </m:e>
-                            <m:e>
-                              <m:r>
-                                <a:rPr lang="en-US" b="0" i="1" smtClean="0">
-                                  <a:latin typeface="Cambria Math" panose="02040503050406030204" pitchFamily="18" charset="0"/>
-                                </a:rPr>
-                                <m:t>1</m:t>
-                              </m:r>
-                            </m:e>
-                          </m:mr>
-                          <m:mr>
-                            <m:e>
-                              <m:r>
-                                <a:rPr lang="en-US" b="0" i="1" smtClean="0">
-                                  <a:latin typeface="Cambria Math" panose="02040503050406030204" pitchFamily="18" charset="0"/>
-                                </a:rPr>
-                                <m:t>0</m:t>
-                              </m:r>
-                            </m:e>
-                            <m:e>
-                              <m:r>
-                                <a:rPr lang="en-US" b="0" i="1" smtClean="0">
-                                  <a:latin typeface="Cambria Math" panose="02040503050406030204" pitchFamily="18" charset="0"/>
-                                </a:rPr>
-                                <m:t>1</m:t>
-                              </m:r>
-                            </m:e>
-                            <m:e>
-                              <m:r>
-                                <a:rPr lang="en-US" b="0" i="1" smtClean="0">
-                                  <a:latin typeface="Cambria Math" panose="02040503050406030204" pitchFamily="18" charset="0"/>
-                                </a:rPr>
-                                <m:t>0</m:t>
-                              </m:r>
-                            </m:e>
-                            <m:e>
-                              <m:r>
-                                <a:rPr lang="en-US" b="0" i="1" smtClean="0">
-                                  <a:latin typeface="Cambria Math" panose="02040503050406030204" pitchFamily="18" charset="0"/>
-                                </a:rPr>
-                                <m:t>0</m:t>
-                              </m:r>
-                            </m:e>
-                          </m:mr>
-                        </m:m>
-                      </m:e>
-                    </m:d>
-                  </m:oMath>
-                </a14:m>
-                <a:endParaRPr lang="en-US" dirty="0"/>
-              </a:p>
-              <a:p>
-                <a:pPr algn="ctr"/>
-                <a:endParaRPr lang="en-US" dirty="0"/>
-              </a:p>
-              <a:p>
-                <a:pPr algn="ctr"/>
-                <a:r>
-                  <a:rPr lang="en-US" dirty="0"/>
-                  <a:t>1D array</a:t>
-                </a:r>
-              </a:p>
-              <a:p>
-                <a:pPr algn="ctr"/>
-                <a14:m>
-                  <m:oMath xmlns:m="http://schemas.openxmlformats.org/officeDocument/2006/math">
-                    <m:d>
-                      <m:dPr>
-                        <m:begChr m:val="["/>
-                        <m:endChr m:val="]"/>
-                        <m:ctrlPr>
-                          <a:rPr lang="en-US" b="0" i="1" smtClean="0">
-                            <a:latin typeface="Cambria Math" panose="02040503050406030204" pitchFamily="18" charset="0"/>
-                          </a:rPr>
-                        </m:ctrlPr>
-                      </m:dPr>
-                      <m:e>
-                        <m:m>
-                          <m:mPr>
-                            <m:mcs>
-                              <m:mc>
-                                <m:mcPr>
-                                  <m:count m:val="16"/>
-                                  <m:mcJc m:val="center"/>
-                                </m:mcPr>
-                              </m:mc>
-                            </m:mcs>
-                            <m:ctrlPr>
-                              <a:rPr lang="en-US" b="0" i="1" smtClean="0">
-                                <a:latin typeface="Cambria Math" panose="02040503050406030204" pitchFamily="18" charset="0"/>
-                              </a:rPr>
-                            </m:ctrlPr>
-                          </m:mPr>
-                          <m:mr>
-                            <m:e>
-                              <m:r>
-                                <m:rPr>
-                                  <m:brk m:alnAt="7"/>
-                                </m:rPr>
-                                <a:rPr lang="en-US" b="0" i="1" smtClean="0">
-                                  <a:latin typeface="Cambria Math" panose="02040503050406030204" pitchFamily="18" charset="0"/>
-                                </a:rPr>
-                                <m:t>0</m:t>
-                              </m:r>
-                            </m:e>
-                            <m:e>
-                              <m:r>
-                                <a:rPr lang="en-US" b="0" i="1" smtClean="0">
-                                  <a:latin typeface="Cambria Math" panose="02040503050406030204" pitchFamily="18" charset="0"/>
-                                </a:rPr>
-                                <m:t>0</m:t>
-                              </m:r>
-                            </m:e>
-                            <m:e>
-                              <m:r>
-                                <a:rPr lang="en-US" b="0" i="1" smtClean="0">
-                                  <a:latin typeface="Cambria Math" panose="02040503050406030204" pitchFamily="18" charset="0"/>
-                                </a:rPr>
-                                <m:t>0</m:t>
-                              </m:r>
-                            </m:e>
-                            <m:e>
-                              <m:r>
-                                <a:rPr lang="en-US" b="0" i="1" smtClean="0">
-                                  <a:latin typeface="Cambria Math" panose="02040503050406030204" pitchFamily="18" charset="0"/>
-                                </a:rPr>
-                                <m:t>1</m:t>
-                              </m:r>
-                            </m:e>
-                            <m:e>
-                              <m:r>
-                                <a:rPr lang="en-US" b="0" i="1" smtClean="0">
-                                  <a:latin typeface="Cambria Math" panose="02040503050406030204" pitchFamily="18" charset="0"/>
-                                </a:rPr>
-                                <m:t>0</m:t>
-                              </m:r>
-                            </m:e>
-                            <m:e>
-                              <m:r>
-                                <a:rPr lang="en-US" b="0" i="1" smtClean="0">
-                                  <a:latin typeface="Cambria Math" panose="02040503050406030204" pitchFamily="18" charset="0"/>
-                                </a:rPr>
-                                <m:t>0</m:t>
-                              </m:r>
-                            </m:e>
-                            <m:e>
-                              <m:r>
-                                <a:rPr lang="en-US" b="0" i="1" smtClean="0">
-                                  <a:solidFill>
-                                    <a:srgbClr val="00B050"/>
-                                  </a:solidFill>
-                                  <a:latin typeface="Cambria Math" panose="02040503050406030204" pitchFamily="18" charset="0"/>
-                                </a:rPr>
-                                <m:t>1</m:t>
-                              </m:r>
-                            </m:e>
-                            <m:e>
-                              <m:r>
-                                <a:rPr lang="en-US" b="0" i="1" smtClean="0">
-                                  <a:latin typeface="Cambria Math" panose="02040503050406030204" pitchFamily="18" charset="0"/>
-                                </a:rPr>
-                                <m:t>0</m:t>
-                              </m:r>
-                            </m:e>
-                            <m:e>
-                              <m:r>
-                                <a:rPr lang="en-US" b="0" i="1" smtClean="0">
-                                  <a:latin typeface="Cambria Math" panose="02040503050406030204" pitchFamily="18" charset="0"/>
-                                </a:rPr>
-                                <m:t>0</m:t>
-                              </m:r>
-                            </m:e>
-                            <m:e>
-                              <m:r>
-                                <a:rPr lang="en-US" b="0" i="1" smtClean="0">
-                                  <a:latin typeface="Cambria Math" panose="02040503050406030204" pitchFamily="18" charset="0"/>
-                                </a:rPr>
-                                <m:t>0</m:t>
-                              </m:r>
-                            </m:e>
-                            <m:e>
-                              <m:r>
-                                <a:rPr lang="en-US" b="0" i="1" smtClean="0">
-                                  <a:latin typeface="Cambria Math" panose="02040503050406030204" pitchFamily="18" charset="0"/>
-                                </a:rPr>
-                                <m:t>1</m:t>
-                              </m:r>
-                            </m:e>
-                            <m:e>
-                              <m:r>
-                                <a:rPr lang="en-US" b="0" i="1" smtClean="0">
-                                  <a:latin typeface="Cambria Math" panose="02040503050406030204" pitchFamily="18" charset="0"/>
-                                </a:rPr>
-                                <m:t>1</m:t>
-                              </m:r>
-                            </m:e>
-                            <m:e>
-                              <m:r>
-                                <a:rPr lang="en-US" b="0" i="1" smtClean="0">
-                                  <a:latin typeface="Cambria Math" panose="02040503050406030204" pitchFamily="18" charset="0"/>
-                                </a:rPr>
-                                <m:t>0</m:t>
-                              </m:r>
-                            </m:e>
-                            <m:e>
-                              <m:r>
-                                <a:rPr lang="en-US" b="0" i="1" smtClean="0">
-                                  <a:latin typeface="Cambria Math" panose="02040503050406030204" pitchFamily="18" charset="0"/>
-                                </a:rPr>
-                                <m:t>1</m:t>
-                              </m:r>
-                            </m:e>
-                            <m:e>
-                              <m:r>
-                                <a:rPr lang="en-US" b="0" i="1" smtClean="0">
-                                  <a:latin typeface="Cambria Math" panose="02040503050406030204" pitchFamily="18" charset="0"/>
-                                </a:rPr>
-                                <m:t>0</m:t>
-                              </m:r>
-                            </m:e>
-                            <m:e>
-                              <m:r>
-                                <a:rPr lang="en-US" b="0" i="1" smtClean="0">
-                                  <a:latin typeface="Cambria Math" panose="02040503050406030204" pitchFamily="18" charset="0"/>
-                                </a:rPr>
-                                <m:t>0</m:t>
-                              </m:r>
-                            </m:e>
-                          </m:mr>
-                        </m:m>
-                      </m:e>
-                    </m:d>
-                  </m:oMath>
-                </a14:m>
-                <a:endParaRPr lang="en-US" dirty="0"/>
-              </a:p>
-              <a:p>
-                <a:pPr algn="ctr"/>
-                <a:endParaRPr lang="en-US" dirty="0"/>
-              </a:p>
-              <a:p>
-                <a:pPr algn="ctr"/>
-                <a:r>
-                  <a:rPr lang="en-US" dirty="0"/>
-                  <a:t>Neighborhood</a:t>
-                </a:r>
-              </a:p>
-              <a:p>
-                <a:pPr algn="ctr"/>
-                <a14:m>
-                  <m:oMath xmlns:m="http://schemas.openxmlformats.org/officeDocument/2006/math">
-                    <m:d>
-                      <m:dPr>
-                        <m:begChr m:val="["/>
-                        <m:endChr m:val="]"/>
-                        <m:ctrlPr>
-                          <a:rPr lang="en-US" i="1" smtClean="0">
-                            <a:latin typeface="Cambria Math" panose="02040503050406030204" pitchFamily="18" charset="0"/>
-                          </a:rPr>
-                        </m:ctrlPr>
-                      </m:dPr>
-                      <m:e>
-                        <m:m>
-                          <m:mPr>
-                            <m:mcs>
-                              <m:mc>
-                                <m:mcPr>
-                                  <m:count m:val="3"/>
-                                  <m:mcJc m:val="center"/>
-                                </m:mcPr>
-                              </m:mc>
-                            </m:mcs>
-                            <m:ctrlPr>
-                              <a:rPr lang="en-US" i="1" smtClean="0">
-                                <a:latin typeface="Cambria Math" panose="02040503050406030204" pitchFamily="18" charset="0"/>
-                              </a:rPr>
-                            </m:ctrlPr>
-                          </m:mPr>
-                          <m:mr>
-                            <m:e>
-                              <m:r>
-                                <m:rPr>
-                                  <m:brk m:alnAt="7"/>
-                                </m:rPr>
-                                <a:rPr lang="en-US" b="0" i="1" smtClean="0">
-                                  <a:latin typeface="Cambria Math" panose="02040503050406030204" pitchFamily="18" charset="0"/>
-                                </a:rPr>
-                                <m:t>𝑁</m:t>
-                              </m:r>
-                            </m:e>
-                            <m:e>
-                              <m:r>
-                                <a:rPr lang="en-US" b="0" i="1" smtClean="0">
-                                  <a:latin typeface="Cambria Math" panose="02040503050406030204" pitchFamily="18" charset="0"/>
-                                </a:rPr>
-                                <m:t>𝑁</m:t>
-                              </m:r>
-                            </m:e>
-                            <m:e>
-                              <m:r>
-                                <a:rPr lang="en-US" b="0" i="1" smtClean="0">
-                                  <a:latin typeface="Cambria Math" panose="02040503050406030204" pitchFamily="18" charset="0"/>
-                                </a:rPr>
-                                <m:t>𝑁</m:t>
-                              </m:r>
-                            </m:e>
-                          </m:mr>
-                          <m:mr>
-                            <m:e>
-                              <m:r>
-                                <a:rPr lang="en-US" b="0" i="1" smtClean="0">
-                                  <a:latin typeface="Cambria Math" panose="02040503050406030204" pitchFamily="18" charset="0"/>
-                                </a:rPr>
-                                <m:t>𝑁</m:t>
-                              </m:r>
-                            </m:e>
-                            <m:e>
-                              <m:r>
-                                <a:rPr lang="en-US" b="0" i="1" smtClean="0">
-                                  <a:latin typeface="Cambria Math" panose="02040503050406030204" pitchFamily="18" charset="0"/>
-                                </a:rPr>
-                                <m:t>𝐶</m:t>
-                              </m:r>
-                            </m:e>
-                            <m:e>
-                              <m:r>
-                                <a:rPr lang="en-US" b="0" i="1" smtClean="0">
-                                  <a:latin typeface="Cambria Math" panose="02040503050406030204" pitchFamily="18" charset="0"/>
-                                </a:rPr>
-                                <m:t>𝑁</m:t>
-                              </m:r>
-                            </m:e>
-                          </m:mr>
-                          <m:mr>
-                            <m:e>
-                              <m:r>
-                                <a:rPr lang="en-US" b="0" i="1" smtClean="0">
-                                  <a:latin typeface="Cambria Math" panose="02040503050406030204" pitchFamily="18" charset="0"/>
-                                </a:rPr>
-                                <m:t>𝑁</m:t>
-                              </m:r>
-                            </m:e>
-                            <m:e>
-                              <m:r>
-                                <a:rPr lang="en-US" b="0" i="1" smtClean="0">
-                                  <a:latin typeface="Cambria Math" panose="02040503050406030204" pitchFamily="18" charset="0"/>
-                                </a:rPr>
-                                <m:t>𝑁</m:t>
-                              </m:r>
-                            </m:e>
-                            <m:e>
-                              <m:r>
-                                <a:rPr lang="en-US" b="0" i="1" smtClean="0">
-                                  <a:latin typeface="Cambria Math" panose="02040503050406030204" pitchFamily="18" charset="0"/>
-                                </a:rPr>
-                                <m:t>𝑁</m:t>
-                              </m:r>
-                            </m:e>
-                          </m:mr>
-                        </m:m>
-                      </m:e>
-                    </m:d>
-                  </m:oMath>
-                </a14:m>
-                <a:endParaRPr lang="en-US" dirty="0"/>
-              </a:p>
-            </p:txBody>
-          </p:sp>
-        </mc:Choice>
-        <mc:Fallback>
-          <p:sp>
-            <p:nvSpPr>
-              <p:cNvPr id="5" name="Content Placeholder 4">
-                <a:extLst>
-                  <a:ext uri="{FF2B5EF4-FFF2-40B4-BE49-F238E27FC236}">
-                    <a16:creationId xmlns:a16="http://schemas.microsoft.com/office/drawing/2014/main" id="{595E5D20-4D91-48BD-A91E-428561308B64}"/>
-                  </a:ext>
-                </a:extLst>
-              </p:cNvPr>
-              <p:cNvSpPr>
-                <a:spLocks noGrp="1" noRot="1" noChangeAspect="1" noMove="1" noResize="1" noEditPoints="1" noAdjustHandles="1" noChangeArrowheads="1" noChangeShapeType="1" noTextEdit="1"/>
-              </p:cNvSpPr>
-              <p:nvPr>
-                <p:ph sz="half" idx="2"/>
-              </p:nvPr>
-            </p:nvSpPr>
-            <p:spPr>
-              <a:blipFill>
-                <a:blip r:embed="rId3"/>
-                <a:stretch>
-                  <a:fillRect t="-1667"/>
-                </a:stretch>
-              </a:blipFill>
-            </p:spPr>
-            <p:txBody>
-              <a:bodyPr/>
-              <a:lstStyle/>
-              <a:p>
-                <a:r>
-                  <a:rPr lang="en-US">
-                    <a:noFill/>
-                  </a:rPr>
-                  <a:t> </a:t>
-                </a:r>
-              </a:p>
-            </p:txBody>
-          </p:sp>
-        </mc:Fallback>
-      </mc:AlternateContent>
-    </p:spTree>
-    <p:extLst>
-      <p:ext uri="{BB962C8B-B14F-4D97-AF65-F5344CB8AC3E}">
-        <p14:creationId xmlns:p14="http://schemas.microsoft.com/office/powerpoint/2010/main" val="2548630940"/>
-      </p:ext>
-    </p:extLst>
-  </p:cSld>
-  <p:clrMapOvr>
-    <a:masterClrMapping/>
-  </p:clrMapOvr>
-  <p:timing>
-    <p:tnLst>
-      <p:par>
-        <p:cTn id="1" dur="indefinite" restart="never" nodeType="tmRoot">
-          <p:childTnLst>
-            <p:seq concurrent="1" nextAc="seek">
-              <p:cTn id="2" dur="indefinite" nodeType="mainSeq">
-                <p:childTnLst>
-                  <p:par>
-                    <p:cTn id="3" fill="hold">
-                      <p:stCondLst>
-                        <p:cond delay="indefinite"/>
-                      </p:stCondLst>
-                      <p:childTnLst>
-                        <p:par>
-                          <p:cTn id="4" fill="hold">
-                            <p:stCondLst>
-                              <p:cond delay="0"/>
-                            </p:stCondLst>
-                            <p:childTnLst>
-                              <p:par>
-                                <p:cTn id="5" presetID="1" presetClass="entr" presetSubtype="0" fill="hold" nodeType="clickEffect">
-                                  <p:stCondLst>
-                                    <p:cond delay="0"/>
-                                  </p:stCondLst>
-                                  <p:childTnLst>
-                                    <p:set>
-                                      <p:cBhvr>
-                                        <p:cTn id="6" dur="1" fill="hold">
-                                          <p:stCondLst>
-                                            <p:cond delay="0"/>
-                                          </p:stCondLst>
-                                        </p:cTn>
-                                        <p:tgtEl>
-                                          <p:spTgt spid="4">
-                                            <p:txEl>
-                                              <p:pRg st="5" end="5"/>
-                                            </p:txEl>
-                                          </p:spTgt>
-                                        </p:tgtEl>
-                                        <p:attrNameLst>
-                                          <p:attrName>style.visibility</p:attrName>
-                                        </p:attrNameLst>
-                                      </p:cBhvr>
-                                      <p:to>
-                                        <p:strVal val="visible"/>
-                                      </p:to>
-                                    </p:set>
-                                  </p:childTnLst>
-                                </p:cTn>
-                              </p:par>
-                            </p:childTnLst>
-                          </p:cTn>
-                        </p:par>
-                      </p:childTnLst>
-                    </p:cTn>
-                  </p:par>
-                  <p:par>
-                    <p:cTn id="7" fill="hold">
-                      <p:stCondLst>
-                        <p:cond delay="indefinite"/>
-                      </p:stCondLst>
-                      <p:childTnLst>
-                        <p:par>
-                          <p:cTn id="8" fill="hold">
-                            <p:stCondLst>
-                              <p:cond delay="0"/>
-                            </p:stCondLst>
-                            <p:childTnLst>
-                              <p:par>
-                                <p:cTn id="9" presetID="1" presetClass="entr" presetSubtype="0" fill="hold" nodeType="clickEffect">
-                                  <p:stCondLst>
-                                    <p:cond delay="0"/>
-                                  </p:stCondLst>
-                                  <p:childTnLst>
-                                    <p:set>
-                                      <p:cBhvr>
-                                        <p:cTn id="10" dur="1" fill="hold">
-                                          <p:stCondLst>
-                                            <p:cond delay="0"/>
-                                          </p:stCondLst>
-                                        </p:cTn>
-                                        <p:tgtEl>
-                                          <p:spTgt spid="4">
-                                            <p:txEl>
-                                              <p:pRg st="6" end="6"/>
-                                            </p:txEl>
-                                          </p:spTgt>
-                                        </p:tgtEl>
-                                        <p:attrNameLst>
-                                          <p:attrName>style.visibility</p:attrName>
-                                        </p:attrNameLst>
-                                      </p:cBhvr>
-                                      <p:to>
-                                        <p:strVal val="visible"/>
-                                      </p:to>
-                                    </p:set>
-                                  </p:childTnLst>
-                                </p:cTn>
-                              </p:par>
-                            </p:childTnLst>
-                          </p:cTn>
-                        </p:par>
-                      </p:childTnLst>
-                    </p:cTn>
-                  </p:par>
-                  <p:par>
-                    <p:cTn id="11" fill="hold">
-                      <p:stCondLst>
-                        <p:cond delay="indefinite"/>
-                      </p:stCondLst>
-                      <p:childTnLst>
-                        <p:par>
-                          <p:cTn id="12" fill="hold">
-                            <p:stCondLst>
-                              <p:cond delay="0"/>
-                            </p:stCondLst>
-                            <p:childTnLst>
-                              <p:par>
-                                <p:cTn id="13" presetID="1" presetClass="entr" presetSubtype="0" fill="hold" nodeType="clickEffect">
-                                  <p:stCondLst>
-                                    <p:cond delay="0"/>
-                                  </p:stCondLst>
-                                  <p:childTnLst>
-                                    <p:set>
-                                      <p:cBhvr>
-                                        <p:cTn id="14" dur="1" fill="hold">
-                                          <p:stCondLst>
-                                            <p:cond delay="0"/>
-                                          </p:stCondLst>
-                                        </p:cTn>
-                                        <p:tgtEl>
-                                          <p:spTgt spid="4">
-                                            <p:txEl>
-                                              <p:pRg st="7" end="7"/>
-                                            </p:txEl>
-                                          </p:spTgt>
-                                        </p:tgtEl>
-                                        <p:attrNameLst>
-                                          <p:attrName>style.visibility</p:attrName>
-                                        </p:attrNameLst>
-                                      </p:cBhvr>
-                                      <p:to>
-                                        <p:strVal val="visible"/>
-                                      </p:to>
-                                    </p:set>
-                                  </p:childTnLst>
-                                </p:cTn>
-                              </p:par>
-                              <p:par>
-                                <p:cTn id="15" presetID="1" presetClass="entr" presetSubtype="0" fill="hold" nodeType="withEffect">
-                                  <p:stCondLst>
-                                    <p:cond delay="0"/>
-                                  </p:stCondLst>
-                                  <p:childTnLst>
-                                    <p:set>
-                                      <p:cBhvr>
-                                        <p:cTn id="16" dur="1" fill="hold">
-                                          <p:stCondLst>
-                                            <p:cond delay="0"/>
-                                          </p:stCondLst>
-                                        </p:cTn>
-                                        <p:tgtEl>
-                                          <p:spTgt spid="4">
-                                            <p:txEl>
-                                              <p:pRg st="8" end="8"/>
-                                            </p:txEl>
-                                          </p:spTgt>
-                                        </p:tgtEl>
-                                        <p:attrNameLst>
-                                          <p:attrName>style.visibility</p:attrName>
-                                        </p:attrNameLst>
-                                      </p:cBhvr>
-                                      <p:to>
-                                        <p:strVal val="visible"/>
-                                      </p:to>
-                                    </p:set>
-                                  </p:childTnLst>
-                                </p:cTn>
-                              </p:par>
-                              <p:par>
-                                <p:cTn id="17" presetID="1" presetClass="entr" presetSubtype="0" fill="hold" nodeType="withEffect">
-                                  <p:stCondLst>
-                                    <p:cond delay="0"/>
-                                  </p:stCondLst>
-                                  <p:childTnLst>
-                                    <p:set>
-                                      <p:cBhvr>
-                                        <p:cTn id="18" dur="1" fill="hold">
-                                          <p:stCondLst>
-                                            <p:cond delay="0"/>
-                                          </p:stCondLst>
-                                        </p:cTn>
-                                        <p:tgtEl>
-                                          <p:spTgt spid="4">
-                                            <p:txEl>
-                                              <p:pRg st="9" end="9"/>
-                                            </p:txEl>
-                                          </p:spTgt>
-                                        </p:tgtEl>
-                                        <p:attrNameLst>
-                                          <p:attrName>style.visibility</p:attrName>
-                                        </p:attrNameLst>
-                                      </p:cBhvr>
-                                      <p:to>
-                                        <p:strVal val="visible"/>
-                                      </p:to>
-                                    </p:set>
-                                  </p:childTnLst>
-                                </p:cTn>
-                              </p:par>
-                              <p:par>
-                                <p:cTn id="19" presetID="1" presetClass="entr" presetSubtype="0" fill="hold" nodeType="withEffect">
-                                  <p:stCondLst>
-                                    <p:cond delay="0"/>
-                                  </p:stCondLst>
-                                  <p:childTnLst>
-                                    <p:set>
-                                      <p:cBhvr>
-                                        <p:cTn id="20" dur="1" fill="hold">
-                                          <p:stCondLst>
-                                            <p:cond delay="0"/>
-                                          </p:stCondLst>
-                                        </p:cTn>
-                                        <p:tgtEl>
-                                          <p:spTgt spid="4">
-                                            <p:txEl>
-                                              <p:pRg st="10" end="10"/>
-                                            </p:txEl>
-                                          </p:spTgt>
-                                        </p:tgtEl>
-                                        <p:attrNameLst>
-                                          <p:attrName>style.visibility</p:attrName>
-                                        </p:attrNameLst>
-                                      </p:cBhvr>
-                                      <p:to>
-                                        <p:strVal val="visible"/>
-                                      </p:to>
-                                    </p:set>
-                                  </p:childTnLst>
-                                </p:cTn>
-                              </p:par>
-                              <p:par>
-                                <p:cTn id="21" presetID="1" presetClass="entr" presetSubtype="0" fill="hold" nodeType="withEffect">
-                                  <p:stCondLst>
-                                    <p:cond delay="0"/>
-                                  </p:stCondLst>
-                                  <p:childTnLst>
-                                    <p:set>
-                                      <p:cBhvr>
-                                        <p:cTn id="22" dur="1" fill="hold">
-                                          <p:stCondLst>
-                                            <p:cond delay="0"/>
-                                          </p:stCondLst>
-                                        </p:cTn>
-                                        <p:tgtEl>
-                                          <p:spTgt spid="4">
-                                            <p:txEl>
-                                              <p:pRg st="11" end="11"/>
-                                            </p:txEl>
-                                          </p:spTgt>
-                                        </p:tgtEl>
-                                        <p:attrNameLst>
-                                          <p:attrName>style.visibility</p:attrName>
-                                        </p:attrNameLst>
-                                      </p:cBhvr>
-                                      <p:to>
-                                        <p:strVal val="visible"/>
-                                      </p:to>
-                                    </p:set>
-                                  </p:childTnLst>
-                                </p:cTn>
-                              </p:par>
-                            </p:childTnLst>
-                          </p:cTn>
-                        </p:par>
-                      </p:childTnLst>
-                    </p:cTn>
-                  </p:par>
-                </p:childTnLst>
-              </p:cTn>
-              <p:prevCondLst>
-                <p:cond evt="onPrev" delay="0">
-                  <p:tgtEl>
-                    <p:sldTgt/>
-                  </p:tgtEl>
-                </p:cond>
-              </p:prevCondLst>
-              <p:nextCondLst>
-                <p:cond evt="onNext" delay="0">
-                  <p:tgtEl>
-                    <p:sldTgt/>
-                  </p:tgtEl>
-                </p:cond>
-              </p:nextCondLst>
-            </p:seq>
-          </p:childTnLst>
-        </p:cTn>
-      </p:par>
-    </p:tnLst>
-  </p:timing>
 </p:sld>
 </file>
 

--- a/lab5/lecture/lab5.pptx
+++ b/lab5/lecture/lab5.pptx
@@ -5842,6 +5842,13 @@
                 </a:r>
               </a:p>
               <a:p>
+                <a:pPr lvl="1"/>
+                <a:r>
+                  <a:rPr lang="en-US" dirty="0"/>
+                  <a:t>int arr5[10] = {[0] = 1, [4] = 5, [9] = 10}; // Valid only in C99</a:t>
+                </a:r>
+              </a:p>
+              <a:p>
                 <a:r>
                   <a:rPr lang="en-US" dirty="0"/>
                   <a:t>Initialization: </a:t>
@@ -6210,7 +6217,7 @@
               <a:blipFill>
                 <a:blip r:embed="rId2"/>
                 <a:stretch>
-                  <a:fillRect l="-545" t="-1970"/>
+                  <a:fillRect l="-545" t="-1970" b="-455"/>
                 </a:stretch>
               </a:blipFill>
             </p:spPr>
@@ -6603,59 +6610,14 @@
                             </p:stCondLst>
                             <p:childTnLst>
                               <p:par>
-                                <p:cTn id="33" presetID="3" presetClass="emph" presetSubtype="2" fill="hold" nodeType="clickEffect">
-                                  <p:stCondLst>
-                                    <p:cond delay="0"/>
-                                  </p:stCondLst>
-                                  <p:childTnLst>
-                                    <p:animClr clrSpc="rgb" dir="cw">
-                                      <p:cBhvr override="childStyle">
-                                        <p:cTn id="34" dur="100" fill="hold"/>
-                                        <p:tgtEl>
-                                          <p:spTgt spid="3">
-                                            <p:txEl>
-                                              <p:pRg st="7" end="7"/>
-                                            </p:txEl>
-                                          </p:spTgt>
-                                        </p:tgtEl>
-                                        <p:attrNameLst>
-                                          <p:attrName>style.color</p:attrName>
-                                        </p:attrNameLst>
-                                      </p:cBhvr>
-                                      <p:to>
-                                        <a:srgbClr val="00B050"/>
-                                      </p:to>
-                                    </p:animClr>
-                                  </p:childTnLst>
-                                </p:cTn>
-                              </p:par>
-                            </p:childTnLst>
-                          </p:cTn>
-                        </p:par>
-                      </p:childTnLst>
-                    </p:cTn>
-                  </p:par>
-                  <p:par>
-                    <p:cTn id="35" fill="hold">
-                      <p:stCondLst>
-                        <p:cond delay="indefinite"/>
-                      </p:stCondLst>
-                      <p:childTnLst>
-                        <p:par>
-                          <p:cTn id="36" fill="hold">
-                            <p:stCondLst>
-                              <p:cond delay="0"/>
-                            </p:stCondLst>
-                            <p:childTnLst>
-                              <p:par>
-                                <p:cTn id="37" presetID="1" presetClass="entr" presetSubtype="0" fill="hold" nodeType="clickEffect">
+                                <p:cTn id="33" presetID="1" presetClass="entr" presetSubtype="0" fill="hold" nodeType="clickEffect">
                                   <p:stCondLst>
                                     <p:cond delay="0"/>
                                   </p:stCondLst>
                                   <p:childTnLst>
                                     <p:set>
                                       <p:cBhvr>
-                                        <p:cTn id="38" dur="1" fill="hold">
+                                        <p:cTn id="34" dur="1" fill="hold">
                                           <p:stCondLst>
                                             <p:cond delay="0"/>
                                           </p:stCondLst>
@@ -6685,6 +6647,51 @@
                     </p:cTn>
                   </p:par>
                   <p:par>
+                    <p:cTn id="35" fill="hold">
+                      <p:stCondLst>
+                        <p:cond delay="indefinite"/>
+                      </p:stCondLst>
+                      <p:childTnLst>
+                        <p:par>
+                          <p:cTn id="36" fill="hold">
+                            <p:stCondLst>
+                              <p:cond delay="0"/>
+                            </p:stCondLst>
+                            <p:childTnLst>
+                              <p:par>
+                                <p:cTn id="37" presetID="3" presetClass="emph" presetSubtype="2" fill="hold" nodeType="clickEffect">
+                                  <p:stCondLst>
+                                    <p:cond delay="0"/>
+                                  </p:stCondLst>
+                                  <p:childTnLst>
+                                    <p:animClr clrSpc="rgb" dir="cw">
+                                      <p:cBhvr override="childStyle">
+                                        <p:cTn id="38" dur="100" fill="hold"/>
+                                        <p:tgtEl>
+                                          <p:spTgt spid="3">
+                                            <p:txEl>
+                                              <p:pRg st="8" end="8"/>
+                                            </p:txEl>
+                                          </p:spTgt>
+                                        </p:tgtEl>
+                                        <p:attrNameLst>
+                                          <p:attrName>style.color</p:attrName>
+                                        </p:attrNameLst>
+                                      </p:cBhvr>
+                                      <p:to>
+                                        <a:srgbClr val="00B050"/>
+                                      </p:to>
+                                    </p:animClr>
+                                  </p:childTnLst>
+                                </p:cTn>
+                              </p:par>
+                            </p:childTnLst>
+                          </p:cTn>
+                        </p:par>
+                      </p:childTnLst>
+                    </p:cTn>
+                  </p:par>
+                  <p:par>
                     <p:cTn id="39" fill="hold">
                       <p:stCondLst>
                         <p:cond delay="indefinite"/>
@@ -6697,59 +6704,14 @@
                             </p:stCondLst>
                             <p:childTnLst>
                               <p:par>
-                                <p:cTn id="41" presetID="3" presetClass="emph" presetSubtype="2" fill="hold" nodeType="clickEffect">
-                                  <p:stCondLst>
-                                    <p:cond delay="0"/>
-                                  </p:stCondLst>
-                                  <p:childTnLst>
-                                    <p:animClr clrSpc="rgb" dir="cw">
-                                      <p:cBhvr override="childStyle">
-                                        <p:cTn id="42" dur="100" fill="hold"/>
-                                        <p:tgtEl>
-                                          <p:spTgt spid="3">
-                                            <p:txEl>
-                                              <p:pRg st="8" end="8"/>
-                                            </p:txEl>
-                                          </p:spTgt>
-                                        </p:tgtEl>
-                                        <p:attrNameLst>
-                                          <p:attrName>style.color</p:attrName>
-                                        </p:attrNameLst>
-                                      </p:cBhvr>
-                                      <p:to>
-                                        <a:srgbClr val="FF0000"/>
-                                      </p:to>
-                                    </p:animClr>
-                                  </p:childTnLst>
-                                </p:cTn>
-                              </p:par>
-                            </p:childTnLst>
-                          </p:cTn>
-                        </p:par>
-                      </p:childTnLst>
-                    </p:cTn>
-                  </p:par>
-                  <p:par>
-                    <p:cTn id="43" fill="hold">
-                      <p:stCondLst>
-                        <p:cond delay="indefinite"/>
-                      </p:stCondLst>
-                      <p:childTnLst>
-                        <p:par>
-                          <p:cTn id="44" fill="hold">
-                            <p:stCondLst>
-                              <p:cond delay="0"/>
-                            </p:stCondLst>
-                            <p:childTnLst>
-                              <p:par>
-                                <p:cTn id="45" presetID="1" presetClass="entr" presetSubtype="0" fill="hold" nodeType="clickEffect">
+                                <p:cTn id="41" presetID="1" presetClass="entr" presetSubtype="0" fill="hold" nodeType="clickEffect">
                                   <p:stCondLst>
                                     <p:cond delay="0"/>
                                   </p:stCondLst>
                                   <p:childTnLst>
                                     <p:set>
                                       <p:cBhvr>
-                                        <p:cTn id="46" dur="1" fill="hold">
+                                        <p:cTn id="42" dur="1" fill="hold">
                                           <p:stCondLst>
                                             <p:cond delay="0"/>
                                           </p:stCondLst>
@@ -6779,26 +6741,26 @@
                     </p:cTn>
                   </p:par>
                   <p:par>
-                    <p:cTn id="47" fill="hold">
+                    <p:cTn id="43" fill="hold">
                       <p:stCondLst>
                         <p:cond delay="indefinite"/>
                       </p:stCondLst>
                       <p:childTnLst>
                         <p:par>
-                          <p:cTn id="48" fill="hold">
+                          <p:cTn id="44" fill="hold">
                             <p:stCondLst>
                               <p:cond delay="0"/>
                             </p:stCondLst>
                             <p:childTnLst>
                               <p:par>
-                                <p:cTn id="49" presetID="3" presetClass="emph" presetSubtype="2" fill="hold" nodeType="clickEffect">
+                                <p:cTn id="45" presetID="3" presetClass="emph" presetSubtype="2" fill="hold" nodeType="clickEffect">
                                   <p:stCondLst>
                                     <p:cond delay="0"/>
                                   </p:stCondLst>
                                   <p:childTnLst>
                                     <p:animClr clrSpc="rgb" dir="cw">
                                       <p:cBhvr override="childStyle">
-                                        <p:cTn id="50" dur="100" fill="hold"/>
+                                        <p:cTn id="46" dur="100" fill="hold"/>
                                         <p:tgtEl>
                                           <p:spTgt spid="3">
                                             <p:txEl>
@@ -6824,26 +6786,26 @@
                     </p:cTn>
                   </p:par>
                   <p:par>
-                    <p:cTn id="51" fill="hold">
+                    <p:cTn id="47" fill="hold">
                       <p:stCondLst>
                         <p:cond delay="indefinite"/>
                       </p:stCondLst>
                       <p:childTnLst>
                         <p:par>
-                          <p:cTn id="52" fill="hold">
+                          <p:cTn id="48" fill="hold">
                             <p:stCondLst>
                               <p:cond delay="0"/>
                             </p:stCondLst>
                             <p:childTnLst>
                               <p:par>
-                                <p:cTn id="53" presetID="1" presetClass="entr" presetSubtype="0" fill="hold" nodeType="clickEffect">
+                                <p:cTn id="49" presetID="1" presetClass="entr" presetSubtype="0" fill="hold" nodeType="clickEffect">
                                   <p:stCondLst>
                                     <p:cond delay="0"/>
                                   </p:stCondLst>
                                   <p:childTnLst>
                                     <p:set>
                                       <p:cBhvr>
-                                        <p:cTn id="54" dur="1" fill="hold">
+                                        <p:cTn id="50" dur="1" fill="hold">
                                           <p:stCondLst>
                                             <p:cond delay="0"/>
                                           </p:stCondLst>
@@ -6873,6 +6835,51 @@
                     </p:cTn>
                   </p:par>
                   <p:par>
+                    <p:cTn id="51" fill="hold">
+                      <p:stCondLst>
+                        <p:cond delay="indefinite"/>
+                      </p:stCondLst>
+                      <p:childTnLst>
+                        <p:par>
+                          <p:cTn id="52" fill="hold">
+                            <p:stCondLst>
+                              <p:cond delay="0"/>
+                            </p:stCondLst>
+                            <p:childTnLst>
+                              <p:par>
+                                <p:cTn id="53" presetID="3" presetClass="emph" presetSubtype="2" fill="hold" nodeType="clickEffect">
+                                  <p:stCondLst>
+                                    <p:cond delay="0"/>
+                                  </p:stCondLst>
+                                  <p:childTnLst>
+                                    <p:animClr clrSpc="rgb" dir="cw">
+                                      <p:cBhvr override="childStyle">
+                                        <p:cTn id="54" dur="100" fill="hold"/>
+                                        <p:tgtEl>
+                                          <p:spTgt spid="3">
+                                            <p:txEl>
+                                              <p:pRg st="10" end="10"/>
+                                            </p:txEl>
+                                          </p:spTgt>
+                                        </p:tgtEl>
+                                        <p:attrNameLst>
+                                          <p:attrName>style.color</p:attrName>
+                                        </p:attrNameLst>
+                                      </p:cBhvr>
+                                      <p:to>
+                                        <a:srgbClr val="FF0000"/>
+                                      </p:to>
+                                    </p:animClr>
+                                  </p:childTnLst>
+                                </p:cTn>
+                              </p:par>
+                            </p:childTnLst>
+                          </p:cTn>
+                        </p:par>
+                      </p:childTnLst>
+                    </p:cTn>
+                  </p:par>
+                  <p:par>
                     <p:cTn id="55" fill="hold">
                       <p:stCondLst>
                         <p:cond delay="indefinite"/>
@@ -6885,59 +6892,14 @@
                             </p:stCondLst>
                             <p:childTnLst>
                               <p:par>
-                                <p:cTn id="57" presetID="3" presetClass="emph" presetSubtype="2" fill="hold" nodeType="clickEffect">
-                                  <p:stCondLst>
-                                    <p:cond delay="0"/>
-                                  </p:stCondLst>
-                                  <p:childTnLst>
-                                    <p:animClr clrSpc="rgb" dir="cw">
-                                      <p:cBhvr override="childStyle">
-                                        <p:cTn id="58" dur="100" fill="hold"/>
-                                        <p:tgtEl>
-                                          <p:spTgt spid="3">
-                                            <p:txEl>
-                                              <p:pRg st="10" end="10"/>
-                                            </p:txEl>
-                                          </p:spTgt>
-                                        </p:tgtEl>
-                                        <p:attrNameLst>
-                                          <p:attrName>style.color</p:attrName>
-                                        </p:attrNameLst>
-                                      </p:cBhvr>
-                                      <p:to>
-                                        <a:srgbClr val="00B050"/>
-                                      </p:to>
-                                    </p:animClr>
-                                  </p:childTnLst>
-                                </p:cTn>
-                              </p:par>
-                            </p:childTnLst>
-                          </p:cTn>
-                        </p:par>
-                      </p:childTnLst>
-                    </p:cTn>
-                  </p:par>
-                  <p:par>
-                    <p:cTn id="59" fill="hold">
-                      <p:stCondLst>
-                        <p:cond delay="indefinite"/>
-                      </p:stCondLst>
-                      <p:childTnLst>
-                        <p:par>
-                          <p:cTn id="60" fill="hold">
-                            <p:stCondLst>
-                              <p:cond delay="0"/>
-                            </p:stCondLst>
-                            <p:childTnLst>
-                              <p:par>
-                                <p:cTn id="61" presetID="1" presetClass="entr" presetSubtype="0" fill="hold" nodeType="clickEffect">
+                                <p:cTn id="57" presetID="1" presetClass="entr" presetSubtype="0" fill="hold" nodeType="clickEffect">
                                   <p:stCondLst>
                                     <p:cond delay="0"/>
                                   </p:stCondLst>
                                   <p:childTnLst>
                                     <p:set>
                                       <p:cBhvr>
-                                        <p:cTn id="62" dur="1" fill="hold">
+                                        <p:cTn id="58" dur="1" fill="hold">
                                           <p:stCondLst>
                                             <p:cond delay="0"/>
                                           </p:stCondLst>
@@ -6967,6 +6929,51 @@
                     </p:cTn>
                   </p:par>
                   <p:par>
+                    <p:cTn id="59" fill="hold">
+                      <p:stCondLst>
+                        <p:cond delay="indefinite"/>
+                      </p:stCondLst>
+                      <p:childTnLst>
+                        <p:par>
+                          <p:cTn id="60" fill="hold">
+                            <p:stCondLst>
+                              <p:cond delay="0"/>
+                            </p:stCondLst>
+                            <p:childTnLst>
+                              <p:par>
+                                <p:cTn id="61" presetID="3" presetClass="emph" presetSubtype="2" fill="hold" nodeType="clickEffect">
+                                  <p:stCondLst>
+                                    <p:cond delay="0"/>
+                                  </p:stCondLst>
+                                  <p:childTnLst>
+                                    <p:animClr clrSpc="rgb" dir="cw">
+                                      <p:cBhvr override="childStyle">
+                                        <p:cTn id="62" dur="100" fill="hold"/>
+                                        <p:tgtEl>
+                                          <p:spTgt spid="3">
+                                            <p:txEl>
+                                              <p:pRg st="11" end="11"/>
+                                            </p:txEl>
+                                          </p:spTgt>
+                                        </p:tgtEl>
+                                        <p:attrNameLst>
+                                          <p:attrName>style.color</p:attrName>
+                                        </p:attrNameLst>
+                                      </p:cBhvr>
+                                      <p:to>
+                                        <a:srgbClr val="00B050"/>
+                                      </p:to>
+                                    </p:animClr>
+                                  </p:childTnLst>
+                                </p:cTn>
+                              </p:par>
+                            </p:childTnLst>
+                          </p:cTn>
+                        </p:par>
+                      </p:childTnLst>
+                    </p:cTn>
+                  </p:par>
+                  <p:par>
                     <p:cTn id="63" fill="hold">
                       <p:stCondLst>
                         <p:cond delay="indefinite"/>
@@ -6979,18 +6986,67 @@
                             </p:stCondLst>
                             <p:childTnLst>
                               <p:par>
-                                <p:cTn id="65" presetID="3" presetClass="emph" presetSubtype="2" fill="hold" nodeType="clickEffect">
+                                <p:cTn id="65" presetID="1" presetClass="entr" presetSubtype="0" fill="hold" nodeType="clickEffect">
+                                  <p:stCondLst>
+                                    <p:cond delay="0"/>
+                                  </p:stCondLst>
+                                  <p:childTnLst>
+                                    <p:set>
+                                      <p:cBhvr>
+                                        <p:cTn id="66" dur="1" fill="hold">
+                                          <p:stCondLst>
+                                            <p:cond delay="0"/>
+                                          </p:stCondLst>
+                                        </p:cTn>
+                                        <p:tgtEl>
+                                          <p:spTgt spid="3">
+                                            <p:txEl>
+                                              <p:pRg st="12" end="12"/>
+                                            </p:txEl>
+                                          </p:spTgt>
+                                        </p:tgtEl>
+                                        <p:attrNameLst>
+                                          <p:attrName>style.visibility</p:attrName>
+                                        </p:attrNameLst>
+                                      </p:cBhvr>
+                                      <p:to>
+                                        <p:strVal val="visible"/>
+                                      </p:to>
+                                    </p:set>
+                                  </p:childTnLst>
+                                </p:cTn>
+                              </p:par>
+                            </p:childTnLst>
+                          </p:cTn>
+                        </p:par>
+                      </p:childTnLst>
+                    </p:cTn>
+                  </p:par>
+                  <p:par>
+                    <p:cTn id="67" fill="hold">
+                      <p:stCondLst>
+                        <p:cond delay="indefinite"/>
+                      </p:stCondLst>
+                      <p:childTnLst>
+                        <p:par>
+                          <p:cTn id="68" fill="hold">
+                            <p:stCondLst>
+                              <p:cond delay="0"/>
+                            </p:stCondLst>
+                            <p:childTnLst>
+                              <p:par>
+                                <p:cTn id="69" presetID="3" presetClass="emph" presetSubtype="2" fill="hold" nodeType="clickEffect">
                                   <p:stCondLst>
                                     <p:cond delay="0"/>
                                   </p:stCondLst>
                                   <p:childTnLst>
                                     <p:animClr clrSpc="rgb" dir="cw">
                                       <p:cBhvr override="childStyle">
-                                        <p:cTn id="66" dur="100" fill="hold"/>
+                                        <p:cTn id="70" dur="100" fill="hold"/>
                                         <p:tgtEl>
                                           <p:spTgt spid="3">
                                             <p:txEl>
-                                              <p:pRg st="11" end="11"/>
+                                              <p:pRg st="12" end="12"/>
                                             </p:txEl>
                                           </p:spTgt>
                                         </p:tgtEl>
